--- a/dice.pptx
+++ b/dice.pptx
@@ -286,7 +286,7 @@
           <a:p>
             <a:fld id="{7093B6B9-16DB-4440-ABA3-0A895199C927}" type="datetimeFigureOut">
               <a:rPr lang="en-US" smtClean="0"/>
-              <a:t>12/25/2020</a:t>
+              <a:t>1/29/2021</a:t>
             </a:fld>
             <a:endParaRPr lang="en-US"/>
           </a:p>
@@ -484,7 +484,7 @@
           <a:p>
             <a:fld id="{7093B6B9-16DB-4440-ABA3-0A895199C927}" type="datetimeFigureOut">
               <a:rPr lang="en-US" smtClean="0"/>
-              <a:t>12/25/2020</a:t>
+              <a:t>1/29/2021</a:t>
             </a:fld>
             <a:endParaRPr lang="en-US"/>
           </a:p>
@@ -692,7 +692,7 @@
           <a:p>
             <a:fld id="{7093B6B9-16DB-4440-ABA3-0A895199C927}" type="datetimeFigureOut">
               <a:rPr lang="en-US" smtClean="0"/>
-              <a:t>12/25/2020</a:t>
+              <a:t>1/29/2021</a:t>
             </a:fld>
             <a:endParaRPr lang="en-US"/>
           </a:p>
@@ -890,7 +890,7 @@
           <a:p>
             <a:fld id="{7093B6B9-16DB-4440-ABA3-0A895199C927}" type="datetimeFigureOut">
               <a:rPr lang="en-US" smtClean="0"/>
-              <a:t>12/25/2020</a:t>
+              <a:t>1/29/2021</a:t>
             </a:fld>
             <a:endParaRPr lang="en-US"/>
           </a:p>
@@ -1165,7 +1165,7 @@
           <a:p>
             <a:fld id="{7093B6B9-16DB-4440-ABA3-0A895199C927}" type="datetimeFigureOut">
               <a:rPr lang="en-US" smtClean="0"/>
-              <a:t>12/25/2020</a:t>
+              <a:t>1/29/2021</a:t>
             </a:fld>
             <a:endParaRPr lang="en-US"/>
           </a:p>
@@ -1430,7 +1430,7 @@
           <a:p>
             <a:fld id="{7093B6B9-16DB-4440-ABA3-0A895199C927}" type="datetimeFigureOut">
               <a:rPr lang="en-US" smtClean="0"/>
-              <a:t>12/25/2020</a:t>
+              <a:t>1/29/2021</a:t>
             </a:fld>
             <a:endParaRPr lang="en-US"/>
           </a:p>
@@ -1842,7 +1842,7 @@
           <a:p>
             <a:fld id="{7093B6B9-16DB-4440-ABA3-0A895199C927}" type="datetimeFigureOut">
               <a:rPr lang="en-US" smtClean="0"/>
-              <a:t>12/25/2020</a:t>
+              <a:t>1/29/2021</a:t>
             </a:fld>
             <a:endParaRPr lang="en-US"/>
           </a:p>
@@ -1983,7 +1983,7 @@
           <a:p>
             <a:fld id="{7093B6B9-16DB-4440-ABA3-0A895199C927}" type="datetimeFigureOut">
               <a:rPr lang="en-US" smtClean="0"/>
-              <a:t>12/25/2020</a:t>
+              <a:t>1/29/2021</a:t>
             </a:fld>
             <a:endParaRPr lang="en-US"/>
           </a:p>
@@ -2096,7 +2096,7 @@
           <a:p>
             <a:fld id="{7093B6B9-16DB-4440-ABA3-0A895199C927}" type="datetimeFigureOut">
               <a:rPr lang="en-US" smtClean="0"/>
-              <a:t>12/25/2020</a:t>
+              <a:t>1/29/2021</a:t>
             </a:fld>
             <a:endParaRPr lang="en-US"/>
           </a:p>
@@ -2407,7 +2407,7 @@
           <a:p>
             <a:fld id="{7093B6B9-16DB-4440-ABA3-0A895199C927}" type="datetimeFigureOut">
               <a:rPr lang="en-US" smtClean="0"/>
-              <a:t>12/25/2020</a:t>
+              <a:t>1/29/2021</a:t>
             </a:fld>
             <a:endParaRPr lang="en-US"/>
           </a:p>
@@ -2695,7 +2695,7 @@
           <a:p>
             <a:fld id="{7093B6B9-16DB-4440-ABA3-0A895199C927}" type="datetimeFigureOut">
               <a:rPr lang="en-US" smtClean="0"/>
-              <a:t>12/25/2020</a:t>
+              <a:t>1/29/2021</a:t>
             </a:fld>
             <a:endParaRPr lang="en-US"/>
           </a:p>
@@ -2936,7 +2936,7 @@
           <a:p>
             <a:fld id="{7093B6B9-16DB-4440-ABA3-0A895199C927}" type="datetimeFigureOut">
               <a:rPr lang="en-US" smtClean="0"/>
-              <a:t>12/25/2020</a:t>
+              <a:t>1/29/2021</a:t>
             </a:fld>
             <a:endParaRPr lang="en-US"/>
           </a:p>
@@ -3436,146 +3436,167 @@
           <a:chExt cx="0" cy="0"/>
         </a:xfrm>
       </p:grpSpPr>
-      <p:pic>
-        <p:nvPicPr>
-          <p:cNvPr id="4" name="Picture 3">
-            <a:extLst>
-              <a:ext uri="{FF2B5EF4-FFF2-40B4-BE49-F238E27FC236}">
-                <a16:creationId xmlns:a16="http://schemas.microsoft.com/office/drawing/2014/main" id="{F9BBE1BC-B1E0-4CA7-9453-F0959486BEBE}"/>
-              </a:ext>
-            </a:extLst>
-          </p:cNvPr>
-          <p:cNvPicPr>
-            <a:picLocks noChangeAspect="1"/>
-          </p:cNvPicPr>
+      <p:grpSp>
+        <p:nvGrpSpPr>
+          <p:cNvPr id="10" name="Group 9">
+            <a:extLst>
+              <a:ext uri="{FF2B5EF4-FFF2-40B4-BE49-F238E27FC236}">
+                <a16:creationId xmlns:a16="http://schemas.microsoft.com/office/drawing/2014/main" id="{AF0B61F5-ADE6-493A-AF84-A860DB3D3DCB}"/>
+              </a:ext>
+            </a:extLst>
+          </p:cNvPr>
+          <p:cNvGrpSpPr/>
           <p:nvPr/>
-        </p:nvPicPr>
-        <p:blipFill>
-          <a:blip r:embed="rId2"/>
-          <a:stretch>
-            <a:fillRect/>
-          </a:stretch>
-        </p:blipFill>
-        <p:spPr>
+        </p:nvGrpSpPr>
+        <p:grpSpPr>
           <a:xfrm>
-            <a:off x="0" y="707397"/>
-            <a:ext cx="12192000" cy="5443205"/>
+            <a:off x="0" y="948624"/>
+            <a:ext cx="12192000" cy="4960751"/>
+            <a:chOff x="0" y="948624"/>
+            <a:chExt cx="12192000" cy="4960751"/>
           </a:xfrm>
-          <a:prstGeom prst="rect">
-            <a:avLst/>
-          </a:prstGeom>
-        </p:spPr>
-      </p:pic>
-      <p:sp>
-        <p:nvSpPr>
-          <p:cNvPr id="6" name="Rectangle: Rounded Corners 5">
-            <a:extLst>
-              <a:ext uri="{FF2B5EF4-FFF2-40B4-BE49-F238E27FC236}">
-                <a16:creationId xmlns:a16="http://schemas.microsoft.com/office/drawing/2014/main" id="{40D8A64F-D9F1-49D1-9D2C-7AB8D3094492}"/>
-              </a:ext>
-            </a:extLst>
-          </p:cNvPr>
-          <p:cNvSpPr/>
-          <p:nvPr/>
-        </p:nvSpPr>
-        <p:spPr>
-          <a:xfrm flipV="1">
-            <a:off x="4906529" y="2255200"/>
-            <a:ext cx="3553692" cy="278449"/>
-          </a:xfrm>
-          <a:prstGeom prst="roundRect">
-            <a:avLst/>
-          </a:prstGeom>
-          <a:noFill/>
-          <a:ln w="28575" cap="flat" cmpd="sng" algn="ctr">
-            <a:solidFill>
+        </p:grpSpPr>
+        <p:pic>
+          <p:nvPicPr>
+            <p:cNvPr id="9" name="Picture 8">
+              <a:extLst>
+                <a:ext uri="{FF2B5EF4-FFF2-40B4-BE49-F238E27FC236}">
+                  <a16:creationId xmlns:a16="http://schemas.microsoft.com/office/drawing/2014/main" id="{5DD03B9C-FC9D-4D3D-92ED-F8665CEBCE3B}"/>
+                </a:ext>
+              </a:extLst>
+            </p:cNvPr>
+            <p:cNvPicPr>
+              <a:picLocks noChangeAspect="1"/>
+            </p:cNvPicPr>
+            <p:nvPr/>
+          </p:nvPicPr>
+          <p:blipFill>
+            <a:blip r:embed="rId2"/>
+            <a:stretch>
+              <a:fillRect/>
+            </a:stretch>
+          </p:blipFill>
+          <p:spPr>
+            <a:xfrm>
+              <a:off x="0" y="948624"/>
+              <a:ext cx="12192000" cy="4960751"/>
+            </a:xfrm>
+            <a:prstGeom prst="rect">
+              <a:avLst/>
+            </a:prstGeom>
+          </p:spPr>
+        </p:pic>
+        <p:sp>
+          <p:nvSpPr>
+            <p:cNvPr id="6" name="Rectangle: Rounded Corners 5">
+              <a:extLst>
+                <a:ext uri="{FF2B5EF4-FFF2-40B4-BE49-F238E27FC236}">
+                  <a16:creationId xmlns:a16="http://schemas.microsoft.com/office/drawing/2014/main" id="{40D8A64F-D9F1-49D1-9D2C-7AB8D3094492}"/>
+                </a:ext>
+              </a:extLst>
+            </p:cNvPr>
+            <p:cNvSpPr/>
+            <p:nvPr/>
+          </p:nvSpPr>
+          <p:spPr>
+            <a:xfrm flipV="1">
+              <a:off x="4858904" y="2045650"/>
+              <a:ext cx="3553692" cy="278449"/>
+            </a:xfrm>
+            <a:prstGeom prst="roundRect">
+              <a:avLst/>
+            </a:prstGeom>
+            <a:noFill/>
+            <a:ln w="28575" cap="flat" cmpd="sng" algn="ctr">
+              <a:solidFill>
+                <a:schemeClr val="accent2"/>
+              </a:solidFill>
+              <a:prstDash val="solid"/>
+              <a:round/>
+              <a:headEnd type="none" w="med" len="med"/>
+              <a:tailEnd type="none" w="med" len="med"/>
+            </a:ln>
+          </p:spPr>
+          <p:style>
+            <a:lnRef idx="0">
+              <a:scrgbClr r="0" g="0" b="0"/>
+            </a:lnRef>
+            <a:fillRef idx="0">
+              <a:scrgbClr r="0" g="0" b="0"/>
+            </a:fillRef>
+            <a:effectRef idx="0">
+              <a:scrgbClr r="0" g="0" b="0"/>
+            </a:effectRef>
+            <a:fontRef idx="minor">
               <a:schemeClr val="accent2"/>
-            </a:solidFill>
-            <a:prstDash val="solid"/>
-            <a:round/>
-            <a:headEnd type="none" w="med" len="med"/>
-            <a:tailEnd type="none" w="med" len="med"/>
-          </a:ln>
-        </p:spPr>
-        <p:style>
-          <a:lnRef idx="0">
-            <a:scrgbClr r="0" g="0" b="0"/>
-          </a:lnRef>
-          <a:fillRef idx="0">
-            <a:scrgbClr r="0" g="0" b="0"/>
-          </a:fillRef>
-          <a:effectRef idx="0">
-            <a:scrgbClr r="0" g="0" b="0"/>
-          </a:effectRef>
-          <a:fontRef idx="minor">
-            <a:schemeClr val="accent2"/>
-          </a:fontRef>
-        </p:style>
-        <p:txBody>
-          <a:bodyPr rtlCol="0" anchor="ctr"/>
-          <a:lstStyle/>
-          <a:p>
-            <a:pPr algn="ctr"/>
-            <a:endParaRPr lang="en-US"/>
-          </a:p>
-        </p:txBody>
-      </p:sp>
-      <p:sp>
-        <p:nvSpPr>
-          <p:cNvPr id="7" name="Rectangle: Rounded Corners 6">
-            <a:extLst>
-              <a:ext uri="{FF2B5EF4-FFF2-40B4-BE49-F238E27FC236}">
-                <a16:creationId xmlns:a16="http://schemas.microsoft.com/office/drawing/2014/main" id="{65E89BA7-FB97-43A1-A0DC-25F0F771EA4A}"/>
-              </a:ext>
-            </a:extLst>
-          </p:cNvPr>
-          <p:cNvSpPr/>
-          <p:nvPr/>
-        </p:nvSpPr>
-        <p:spPr>
-          <a:xfrm flipV="1">
-            <a:off x="342901" y="3301998"/>
-            <a:ext cx="5753099" cy="2780143"/>
-          </a:xfrm>
-          <a:prstGeom prst="roundRect">
-            <a:avLst>
-              <a:gd name="adj" fmla="val 5656"/>
-            </a:avLst>
-          </a:prstGeom>
-          <a:noFill/>
-          <a:ln w="28575" cap="flat" cmpd="sng" algn="ctr">
-            <a:solidFill>
+            </a:fontRef>
+          </p:style>
+          <p:txBody>
+            <a:bodyPr rtlCol="0" anchor="ctr"/>
+            <a:lstStyle/>
+            <a:p>
+              <a:pPr algn="ctr"/>
+              <a:endParaRPr lang="en-US"/>
+            </a:p>
+          </p:txBody>
+        </p:sp>
+        <p:sp>
+          <p:nvSpPr>
+            <p:cNvPr id="7" name="Rectangle: Rounded Corners 6">
+              <a:extLst>
+                <a:ext uri="{FF2B5EF4-FFF2-40B4-BE49-F238E27FC236}">
+                  <a16:creationId xmlns:a16="http://schemas.microsoft.com/office/drawing/2014/main" id="{65E89BA7-FB97-43A1-A0DC-25F0F771EA4A}"/>
+                </a:ext>
+              </a:extLst>
+            </p:cNvPr>
+            <p:cNvSpPr/>
+            <p:nvPr/>
+          </p:nvSpPr>
+          <p:spPr>
+            <a:xfrm flipV="1">
+              <a:off x="342901" y="3006722"/>
+              <a:ext cx="5753099" cy="2902652"/>
+            </a:xfrm>
+            <a:prstGeom prst="roundRect">
+              <a:avLst>
+                <a:gd name="adj" fmla="val 5656"/>
+              </a:avLst>
+            </a:prstGeom>
+            <a:noFill/>
+            <a:ln w="28575" cap="flat" cmpd="sng" algn="ctr">
+              <a:solidFill>
+                <a:schemeClr val="accent2"/>
+              </a:solidFill>
+              <a:prstDash val="solid"/>
+              <a:round/>
+              <a:headEnd type="none" w="med" len="med"/>
+              <a:tailEnd type="none" w="med" len="med"/>
+            </a:ln>
+          </p:spPr>
+          <p:style>
+            <a:lnRef idx="0">
+              <a:scrgbClr r="0" g="0" b="0"/>
+            </a:lnRef>
+            <a:fillRef idx="0">
+              <a:scrgbClr r="0" g="0" b="0"/>
+            </a:fillRef>
+            <a:effectRef idx="0">
+              <a:scrgbClr r="0" g="0" b="0"/>
+            </a:effectRef>
+            <a:fontRef idx="minor">
               <a:schemeClr val="accent2"/>
-            </a:solidFill>
-            <a:prstDash val="solid"/>
-            <a:round/>
-            <a:headEnd type="none" w="med" len="med"/>
-            <a:tailEnd type="none" w="med" len="med"/>
-          </a:ln>
-        </p:spPr>
-        <p:style>
-          <a:lnRef idx="0">
-            <a:scrgbClr r="0" g="0" b="0"/>
-          </a:lnRef>
-          <a:fillRef idx="0">
-            <a:scrgbClr r="0" g="0" b="0"/>
-          </a:fillRef>
-          <a:effectRef idx="0">
-            <a:scrgbClr r="0" g="0" b="0"/>
-          </a:effectRef>
-          <a:fontRef idx="minor">
-            <a:schemeClr val="accent2"/>
-          </a:fontRef>
-        </p:style>
-        <p:txBody>
-          <a:bodyPr rtlCol="0" anchor="ctr"/>
-          <a:lstStyle/>
-          <a:p>
-            <a:pPr algn="ctr"/>
-            <a:endParaRPr lang="en-US" dirty="0"/>
-          </a:p>
-        </p:txBody>
-      </p:sp>
+            </a:fontRef>
+          </p:style>
+          <p:txBody>
+            <a:bodyPr rtlCol="0" anchor="ctr"/>
+            <a:lstStyle/>
+            <a:p>
+              <a:pPr algn="ctr"/>
+              <a:endParaRPr lang="en-US" dirty="0"/>
+            </a:p>
+          </p:txBody>
+        </p:sp>
+      </p:grpSp>
     </p:spTree>
     <p:extLst>
       <p:ext uri="{BB962C8B-B14F-4D97-AF65-F5344CB8AC3E}">
@@ -3608,10 +3629,10 @@
       </p:grpSpPr>
       <p:pic>
         <p:nvPicPr>
-          <p:cNvPr id="7" name="Picture 6">
-            <a:extLst>
-              <a:ext uri="{FF2B5EF4-FFF2-40B4-BE49-F238E27FC236}">
-                <a16:creationId xmlns:a16="http://schemas.microsoft.com/office/drawing/2014/main" id="{9E53B817-182B-4A83-84CF-15310D01A787}"/>
+          <p:cNvPr id="3" name="Picture 2">
+            <a:extLst>
+              <a:ext uri="{FF2B5EF4-FFF2-40B4-BE49-F238E27FC236}">
+                <a16:creationId xmlns:a16="http://schemas.microsoft.com/office/drawing/2014/main" id="{2E9B8669-8297-4367-B159-49CB5C1509F7}"/>
               </a:ext>
             </a:extLst>
           </p:cNvPr>
@@ -3628,8 +3649,8 @@
         </p:blipFill>
         <p:spPr>
           <a:xfrm>
-            <a:off x="0" y="3127375"/>
-            <a:ext cx="12192000" cy="603250"/>
+            <a:off x="0" y="3152918"/>
+            <a:ext cx="12192000" cy="552163"/>
           </a:xfrm>
           <a:prstGeom prst="rect">
             <a:avLst/>
@@ -4811,10 +4832,10 @@
       </p:grpSpPr>
       <p:grpSp>
         <p:nvGrpSpPr>
-          <p:cNvPr id="18" name="Group 17">
-            <a:extLst>
-              <a:ext uri="{FF2B5EF4-FFF2-40B4-BE49-F238E27FC236}">
-                <a16:creationId xmlns:a16="http://schemas.microsoft.com/office/drawing/2014/main" id="{51E551BA-B5FC-456C-9487-3D8A2A3C8E28}"/>
+          <p:cNvPr id="16" name="Group 15">
+            <a:extLst>
+              <a:ext uri="{FF2B5EF4-FFF2-40B4-BE49-F238E27FC236}">
+                <a16:creationId xmlns:a16="http://schemas.microsoft.com/office/drawing/2014/main" id="{E01B231A-F760-4636-8139-DD920964764D}"/>
               </a:ext>
             </a:extLst>
           </p:cNvPr>
@@ -4823,18 +4844,18 @@
         </p:nvGrpSpPr>
         <p:grpSpPr>
           <a:xfrm>
-            <a:off x="-3093333" y="899064"/>
-            <a:ext cx="15285333" cy="5059871"/>
-            <a:chOff x="-3093333" y="899064"/>
-            <a:chExt cx="15285333" cy="5059871"/>
+            <a:off x="-3093333" y="949217"/>
+            <a:ext cx="15285333" cy="5001155"/>
+            <a:chOff x="-3093333" y="949217"/>
+            <a:chExt cx="15285333" cy="5001155"/>
           </a:xfrm>
         </p:grpSpPr>
         <p:pic>
           <p:nvPicPr>
-            <p:cNvPr id="17" name="Picture 16">
+            <p:cNvPr id="3" name="Picture 2">
               <a:extLst>
                 <a:ext uri="{FF2B5EF4-FFF2-40B4-BE49-F238E27FC236}">
-                  <a16:creationId xmlns:a16="http://schemas.microsoft.com/office/drawing/2014/main" id="{B409FD9E-CFA5-4735-BEDB-F444CB844A66}"/>
+                  <a16:creationId xmlns:a16="http://schemas.microsoft.com/office/drawing/2014/main" id="{4EDC8C65-D8F3-4DE8-8924-C8B9BB120E96}"/>
                 </a:ext>
               </a:extLst>
             </p:cNvPr>
@@ -4851,8 +4872,8 @@
           </p:blipFill>
           <p:spPr>
             <a:xfrm>
-              <a:off x="0" y="899064"/>
-              <a:ext cx="12192000" cy="5059871"/>
+              <a:off x="0" y="949217"/>
+              <a:ext cx="12192000" cy="4959566"/>
             </a:xfrm>
             <a:prstGeom prst="rect">
               <a:avLst/>
@@ -4875,7 +4896,7 @@
           </p:nvCxnSpPr>
           <p:spPr>
             <a:xfrm>
-              <a:off x="-1171574" y="4606901"/>
+              <a:off x="-1171574" y="4327501"/>
               <a:ext cx="991842" cy="0"/>
             </a:xfrm>
             <a:prstGeom prst="straightConnector1">
@@ -4914,7 +4935,7 @@
           </p:nvSpPr>
           <p:spPr>
             <a:xfrm>
-              <a:off x="-3074339" y="4437624"/>
+              <a:off x="-3074339" y="4158224"/>
               <a:ext cx="1490729" cy="338554"/>
             </a:xfrm>
             <a:prstGeom prst="rect">
@@ -4951,8 +4972,8 @@
           </p:nvSpPr>
           <p:spPr>
             <a:xfrm>
-              <a:off x="0" y="1208743"/>
-              <a:ext cx="12192000" cy="573767"/>
+              <a:off x="0" y="1280550"/>
+              <a:ext cx="12192000" cy="338555"/>
             </a:xfrm>
             <a:prstGeom prst="roundRect">
               <a:avLst>
@@ -5007,7 +5028,7 @@
           </p:nvSpPr>
           <p:spPr>
             <a:xfrm>
-              <a:off x="0" y="1960428"/>
+              <a:off x="0" y="1693728"/>
               <a:ext cx="12192000" cy="278310"/>
             </a:xfrm>
             <a:prstGeom prst="roundRect">
@@ -5065,7 +5086,7 @@
           </p:nvCxnSpPr>
           <p:spPr>
             <a:xfrm>
-              <a:off x="-1171574" y="1497941"/>
+              <a:off x="-1171574" y="1447141"/>
               <a:ext cx="991842" cy="0"/>
             </a:xfrm>
             <a:prstGeom prst="straightConnector1">
@@ -5104,7 +5125,7 @@
           </p:nvSpPr>
           <p:spPr>
             <a:xfrm>
-              <a:off x="-3074339" y="1344052"/>
+              <a:off x="-3074339" y="1293252"/>
               <a:ext cx="1094980" cy="338554"/>
             </a:xfrm>
             <a:prstGeom prst="rect">
@@ -5143,7 +5164,7 @@
           </p:nvCxnSpPr>
           <p:spPr>
             <a:xfrm>
-              <a:off x="-1190568" y="2083201"/>
+              <a:off x="-1190568" y="1803801"/>
               <a:ext cx="1010836" cy="0"/>
             </a:xfrm>
             <a:prstGeom prst="straightConnector1">
@@ -5182,7 +5203,7 @@
           </p:nvSpPr>
           <p:spPr>
             <a:xfrm>
-              <a:off x="-3093333" y="1909520"/>
+              <a:off x="-3093333" y="1630120"/>
               <a:ext cx="1226618" cy="338554"/>
             </a:xfrm>
             <a:prstGeom prst="rect">
@@ -5219,7 +5240,7 @@
           </p:nvSpPr>
           <p:spPr>
             <a:xfrm>
-              <a:off x="0" y="2366690"/>
+              <a:off x="0" y="2061890"/>
               <a:ext cx="12192000" cy="489883"/>
             </a:xfrm>
             <a:prstGeom prst="roundRect">
@@ -5277,7 +5298,7 @@
           </p:nvCxnSpPr>
           <p:spPr>
             <a:xfrm>
-              <a:off x="-1108173" y="2607187"/>
+              <a:off x="-1108173" y="2327787"/>
               <a:ext cx="928441" cy="0"/>
             </a:xfrm>
             <a:prstGeom prst="straightConnector1">
@@ -5316,7 +5337,7 @@
           </p:nvSpPr>
           <p:spPr>
             <a:xfrm>
-              <a:off x="-3093333" y="2437910"/>
+              <a:off x="-3093333" y="2158510"/>
               <a:ext cx="1985159" cy="338554"/>
             </a:xfrm>
             <a:prstGeom prst="rect">
@@ -5353,8 +5374,8 @@
           </p:nvSpPr>
           <p:spPr>
             <a:xfrm flipV="1">
-              <a:off x="0" y="3341402"/>
-              <a:ext cx="12192000" cy="2608971"/>
+              <a:off x="0" y="2984499"/>
+              <a:ext cx="12192000" cy="2965873"/>
             </a:xfrm>
             <a:prstGeom prst="roundRect">
               <a:avLst>
@@ -5428,10 +5449,10 @@
       </p:grpSpPr>
       <p:grpSp>
         <p:nvGrpSpPr>
-          <p:cNvPr id="11" name="Group 10">
-            <a:extLst>
-              <a:ext uri="{FF2B5EF4-FFF2-40B4-BE49-F238E27FC236}">
-                <a16:creationId xmlns:a16="http://schemas.microsoft.com/office/drawing/2014/main" id="{4D8AA129-43EC-4054-8266-6CB5F88D4E0D}"/>
+          <p:cNvPr id="7" name="Group 6">
+            <a:extLst>
+              <a:ext uri="{FF2B5EF4-FFF2-40B4-BE49-F238E27FC236}">
+                <a16:creationId xmlns:a16="http://schemas.microsoft.com/office/drawing/2014/main" id="{53B862AD-F9CD-44FC-A1D5-2D2C2091B4B6}"/>
               </a:ext>
             </a:extLst>
           </p:cNvPr>
@@ -5440,18 +5461,18 @@
         </p:nvGrpSpPr>
         <p:grpSpPr>
           <a:xfrm>
-            <a:off x="0" y="895886"/>
-            <a:ext cx="12192000" cy="5066228"/>
-            <a:chOff x="0" y="895886"/>
-            <a:chExt cx="12192000" cy="5066228"/>
+            <a:off x="0" y="938366"/>
+            <a:ext cx="12192000" cy="4981267"/>
+            <a:chOff x="0" y="938366"/>
+            <a:chExt cx="12192000" cy="4981267"/>
           </a:xfrm>
         </p:grpSpPr>
         <p:pic>
           <p:nvPicPr>
-            <p:cNvPr id="9" name="Picture 8">
+            <p:cNvPr id="6" name="Picture 5">
               <a:extLst>
                 <a:ext uri="{FF2B5EF4-FFF2-40B4-BE49-F238E27FC236}">
-                  <a16:creationId xmlns:a16="http://schemas.microsoft.com/office/drawing/2014/main" id="{3286706B-DB83-4796-BCC2-C8D17E91F63D}"/>
+                  <a16:creationId xmlns:a16="http://schemas.microsoft.com/office/drawing/2014/main" id="{47BAFC30-0FAF-4E71-803F-7B675F83D48D}"/>
                 </a:ext>
               </a:extLst>
             </p:cNvPr>
@@ -5468,8 +5489,8 @@
           </p:blipFill>
           <p:spPr>
             <a:xfrm>
-              <a:off x="0" y="895886"/>
-              <a:ext cx="12192000" cy="5066228"/>
+              <a:off x="0" y="938366"/>
+              <a:ext cx="12192000" cy="4981267"/>
             </a:xfrm>
             <a:prstGeom prst="rect">
               <a:avLst/>
@@ -5490,8 +5511,8 @@
           </p:nvSpPr>
           <p:spPr>
             <a:xfrm>
-              <a:off x="1687830" y="1187450"/>
-              <a:ext cx="1664969" cy="266700"/>
+              <a:off x="1904999" y="1301750"/>
+              <a:ext cx="1200151" cy="266700"/>
             </a:xfrm>
             <a:prstGeom prst="roundRect">
               <a:avLst/>
@@ -5544,7 +5565,7 @@
           </p:nvSpPr>
           <p:spPr>
             <a:xfrm>
-              <a:off x="4189730" y="1930400"/>
+              <a:off x="4177030" y="1676400"/>
               <a:ext cx="1664969" cy="266700"/>
             </a:xfrm>
             <a:prstGeom prst="roundRect">
@@ -5677,10 +5698,10 @@
       </p:grpSpPr>
       <p:grpSp>
         <p:nvGrpSpPr>
-          <p:cNvPr id="8" name="Group 7">
-            <a:extLst>
-              <a:ext uri="{FF2B5EF4-FFF2-40B4-BE49-F238E27FC236}">
-                <a16:creationId xmlns:a16="http://schemas.microsoft.com/office/drawing/2014/main" id="{DD00DE3C-F91C-412E-9DFD-97D684D6C78C}"/>
+          <p:cNvPr id="6" name="Group 5">
+            <a:extLst>
+              <a:ext uri="{FF2B5EF4-FFF2-40B4-BE49-F238E27FC236}">
+                <a16:creationId xmlns:a16="http://schemas.microsoft.com/office/drawing/2014/main" id="{A862CB63-B206-4BFF-91FB-63E9D6672820}"/>
               </a:ext>
             </a:extLst>
           </p:cNvPr>
@@ -5689,18 +5710,18 @@
         </p:nvGrpSpPr>
         <p:grpSpPr>
           <a:xfrm>
-            <a:off x="0" y="872071"/>
-            <a:ext cx="12192000" cy="5090043"/>
-            <a:chOff x="0" y="872071"/>
-            <a:chExt cx="12192000" cy="5090043"/>
+            <a:off x="0" y="911226"/>
+            <a:ext cx="12192000" cy="5035547"/>
+            <a:chOff x="0" y="911226"/>
+            <a:chExt cx="12192000" cy="5035547"/>
           </a:xfrm>
         </p:grpSpPr>
         <p:pic>
           <p:nvPicPr>
-            <p:cNvPr id="7" name="Picture 6">
+            <p:cNvPr id="3" name="Picture 2">
               <a:extLst>
                 <a:ext uri="{FF2B5EF4-FFF2-40B4-BE49-F238E27FC236}">
-                  <a16:creationId xmlns:a16="http://schemas.microsoft.com/office/drawing/2014/main" id="{973FB053-5E62-495E-B6C0-1A737C7F2B30}"/>
+                  <a16:creationId xmlns:a16="http://schemas.microsoft.com/office/drawing/2014/main" id="{B68FB58D-F5C3-42F0-BC41-32A033E257E1}"/>
                 </a:ext>
               </a:extLst>
             </p:cNvPr>
@@ -5717,8 +5738,8 @@
           </p:blipFill>
           <p:spPr>
             <a:xfrm>
-              <a:off x="0" y="895886"/>
-              <a:ext cx="12192000" cy="5066228"/>
+              <a:off x="0" y="936484"/>
+              <a:ext cx="12192000" cy="4985032"/>
             </a:xfrm>
             <a:prstGeom prst="rect">
               <a:avLst/>
@@ -5739,7 +5760,7 @@
           </p:nvSpPr>
           <p:spPr>
             <a:xfrm flipV="1">
-              <a:off x="7142885" y="872071"/>
+              <a:off x="7866785" y="911226"/>
               <a:ext cx="1834428" cy="263814"/>
             </a:xfrm>
             <a:prstGeom prst="roundRect">
@@ -5793,8 +5814,8 @@
           </p:nvSpPr>
           <p:spPr>
             <a:xfrm flipV="1">
-              <a:off x="0" y="3297173"/>
-              <a:ext cx="12192000" cy="2649601"/>
+              <a:off x="0" y="3019424"/>
+              <a:ext cx="12192000" cy="2927349"/>
             </a:xfrm>
             <a:prstGeom prst="roundRect">
               <a:avLst>
@@ -5868,10 +5889,10 @@
       </p:grpSpPr>
       <p:grpSp>
         <p:nvGrpSpPr>
-          <p:cNvPr id="9" name="Group 8">
-            <a:extLst>
-              <a:ext uri="{FF2B5EF4-FFF2-40B4-BE49-F238E27FC236}">
-                <a16:creationId xmlns:a16="http://schemas.microsoft.com/office/drawing/2014/main" id="{A97E0B95-E7F2-44A6-8FD5-929019C6BBB1}"/>
+          <p:cNvPr id="5" name="Group 4">
+            <a:extLst>
+              <a:ext uri="{FF2B5EF4-FFF2-40B4-BE49-F238E27FC236}">
+                <a16:creationId xmlns:a16="http://schemas.microsoft.com/office/drawing/2014/main" id="{BB637FE7-8CDA-4F95-88E9-EF3139E490AD}"/>
               </a:ext>
             </a:extLst>
           </p:cNvPr>
@@ -5880,18 +5901,18 @@
         </p:nvGrpSpPr>
         <p:grpSpPr>
           <a:xfrm>
-            <a:off x="0" y="911017"/>
-            <a:ext cx="12192000" cy="5035965"/>
-            <a:chOff x="0" y="911017"/>
-            <a:chExt cx="12192000" cy="5035965"/>
+            <a:off x="0" y="953096"/>
+            <a:ext cx="12192000" cy="4951808"/>
+            <a:chOff x="0" y="953096"/>
+            <a:chExt cx="12192000" cy="4951808"/>
           </a:xfrm>
         </p:grpSpPr>
         <p:pic>
           <p:nvPicPr>
-            <p:cNvPr id="8" name="Picture 7">
+            <p:cNvPr id="3" name="Picture 2">
               <a:extLst>
                 <a:ext uri="{FF2B5EF4-FFF2-40B4-BE49-F238E27FC236}">
-                  <a16:creationId xmlns:a16="http://schemas.microsoft.com/office/drawing/2014/main" id="{8000A25E-6BD1-4BC9-B409-8F2B0A88128E}"/>
+                  <a16:creationId xmlns:a16="http://schemas.microsoft.com/office/drawing/2014/main" id="{640D3F28-8C26-431A-A27B-74673F6F3C92}"/>
                 </a:ext>
               </a:extLst>
             </p:cNvPr>
@@ -5908,8 +5929,8 @@
           </p:blipFill>
           <p:spPr>
             <a:xfrm>
-              <a:off x="0" y="911017"/>
-              <a:ext cx="12192000" cy="5035965"/>
+              <a:off x="0" y="953096"/>
+              <a:ext cx="12192000" cy="4951808"/>
             </a:xfrm>
             <a:prstGeom prst="rect">
               <a:avLst/>
@@ -5930,8 +5951,8 @@
           </p:nvSpPr>
           <p:spPr>
             <a:xfrm>
-              <a:off x="1351642" y="1162049"/>
-              <a:ext cx="10840358" cy="1076325"/>
+              <a:off x="1351642" y="1238250"/>
+              <a:ext cx="10840358" cy="781050"/>
             </a:xfrm>
             <a:prstGeom prst="roundRect">
               <a:avLst>
@@ -6005,10 +6026,10 @@
       </p:grpSpPr>
       <p:grpSp>
         <p:nvGrpSpPr>
-          <p:cNvPr id="6" name="Group 5">
-            <a:extLst>
-              <a:ext uri="{FF2B5EF4-FFF2-40B4-BE49-F238E27FC236}">
-                <a16:creationId xmlns:a16="http://schemas.microsoft.com/office/drawing/2014/main" id="{E0603854-C756-48BE-BA61-53B4FC8DD249}"/>
+          <p:cNvPr id="8" name="Group 7">
+            <a:extLst>
+              <a:ext uri="{FF2B5EF4-FFF2-40B4-BE49-F238E27FC236}">
+                <a16:creationId xmlns:a16="http://schemas.microsoft.com/office/drawing/2014/main" id="{35486E71-F535-49AB-8BC0-97E956DAD401}"/>
               </a:ext>
             </a:extLst>
           </p:cNvPr>
@@ -6017,18 +6038,18 @@
         </p:nvGrpSpPr>
         <p:grpSpPr>
           <a:xfrm>
-            <a:off x="0" y="880515"/>
-            <a:ext cx="12192000" cy="5096969"/>
-            <a:chOff x="0" y="880515"/>
-            <a:chExt cx="12192000" cy="5096969"/>
+            <a:off x="0" y="905421"/>
+            <a:ext cx="12192000" cy="5072062"/>
+            <a:chOff x="0" y="905421"/>
+            <a:chExt cx="12192000" cy="5072062"/>
           </a:xfrm>
         </p:grpSpPr>
         <p:pic>
           <p:nvPicPr>
-            <p:cNvPr id="3" name="Picture 2">
+            <p:cNvPr id="7" name="Picture 6">
               <a:extLst>
                 <a:ext uri="{FF2B5EF4-FFF2-40B4-BE49-F238E27FC236}">
-                  <a16:creationId xmlns:a16="http://schemas.microsoft.com/office/drawing/2014/main" id="{0C510EE6-3010-4372-AF34-9BC555B73AFD}"/>
+                  <a16:creationId xmlns:a16="http://schemas.microsoft.com/office/drawing/2014/main" id="{9A8D4891-EE4A-4BA0-84E2-F8DB43F5CC59}"/>
                 </a:ext>
               </a:extLst>
             </p:cNvPr>
@@ -6045,8 +6066,8 @@
           </p:blipFill>
           <p:spPr>
             <a:xfrm>
-              <a:off x="0" y="880515"/>
-              <a:ext cx="12192000" cy="5096969"/>
+              <a:off x="0" y="905421"/>
+              <a:ext cx="12192000" cy="5047158"/>
             </a:xfrm>
             <a:prstGeom prst="rect">
               <a:avLst/>
@@ -6067,7 +6088,7 @@
           </p:nvSpPr>
           <p:spPr>
             <a:xfrm flipV="1">
-              <a:off x="4880113" y="2362695"/>
+              <a:off x="4880113" y="2000745"/>
               <a:ext cx="3520938" cy="294779"/>
             </a:xfrm>
             <a:prstGeom prst="roundRect">
@@ -6121,8 +6142,8 @@
           </p:nvSpPr>
           <p:spPr>
             <a:xfrm flipV="1">
-              <a:off x="0" y="3362323"/>
-              <a:ext cx="12192000" cy="2615160"/>
+              <a:off x="0" y="2990850"/>
+              <a:ext cx="12192000" cy="2986633"/>
             </a:xfrm>
             <a:prstGeom prst="roundRect">
               <a:avLst>
@@ -6277,609 +6298,588 @@
           <a:chExt cx="0" cy="0"/>
         </a:xfrm>
       </p:grpSpPr>
-      <p:grpSp>
-        <p:nvGrpSpPr>
-          <p:cNvPr id="18" name="Group 17">
-            <a:extLst>
-              <a:ext uri="{FF2B5EF4-FFF2-40B4-BE49-F238E27FC236}">
-                <a16:creationId xmlns:a16="http://schemas.microsoft.com/office/drawing/2014/main" id="{5DB459B8-D619-490E-ABFB-C9B5DE73E75F}"/>
-              </a:ext>
-            </a:extLst>
-          </p:cNvPr>
-          <p:cNvGrpSpPr/>
+      <p:pic>
+        <p:nvPicPr>
+          <p:cNvPr id="17" name="Picture 16">
+            <a:extLst>
+              <a:ext uri="{FF2B5EF4-FFF2-40B4-BE49-F238E27FC236}">
+                <a16:creationId xmlns:a16="http://schemas.microsoft.com/office/drawing/2014/main" id="{EFB6B388-0D69-4DF3-9F62-DE73ABA37619}"/>
+              </a:ext>
+            </a:extLst>
+          </p:cNvPr>
+          <p:cNvPicPr>
+            <a:picLocks noChangeAspect="1"/>
+          </p:cNvPicPr>
           <p:nvPr/>
-        </p:nvGrpSpPr>
-        <p:grpSpPr>
+        </p:nvPicPr>
+        <p:blipFill>
+          <a:blip r:embed="rId2"/>
+          <a:stretch>
+            <a:fillRect/>
+          </a:stretch>
+        </p:blipFill>
+        <p:spPr>
           <a:xfrm>
-            <a:off x="-3067663" y="1131448"/>
-            <a:ext cx="18161884" cy="4595103"/>
-            <a:chOff x="-3067663" y="1131448"/>
-            <a:chExt cx="18161884" cy="4595103"/>
+            <a:off x="0" y="1131448"/>
+            <a:ext cx="12192000" cy="4595103"/>
           </a:xfrm>
-        </p:grpSpPr>
-        <p:pic>
-          <p:nvPicPr>
-            <p:cNvPr id="17" name="Picture 16">
-              <a:extLst>
-                <a:ext uri="{FF2B5EF4-FFF2-40B4-BE49-F238E27FC236}">
-                  <a16:creationId xmlns:a16="http://schemas.microsoft.com/office/drawing/2014/main" id="{EFB6B388-0D69-4DF3-9F62-DE73ABA37619}"/>
-                </a:ext>
-              </a:extLst>
-            </p:cNvPr>
-            <p:cNvPicPr>
-              <a:picLocks noChangeAspect="1"/>
-            </p:cNvPicPr>
-            <p:nvPr/>
-          </p:nvPicPr>
-          <p:blipFill>
-            <a:blip r:embed="rId2"/>
-            <a:stretch>
-              <a:fillRect/>
-            </a:stretch>
-          </p:blipFill>
-          <p:spPr>
-            <a:xfrm>
-              <a:off x="0" y="1131448"/>
-              <a:ext cx="12192000" cy="4595103"/>
-            </a:xfrm>
-            <a:prstGeom prst="rect">
-              <a:avLst/>
-            </a:prstGeom>
-          </p:spPr>
-        </p:pic>
-        <p:cxnSp>
-          <p:nvCxnSpPr>
-            <p:cNvPr id="4" name="Straight Arrow Connector 3">
-              <a:extLst>
-                <a:ext uri="{FF2B5EF4-FFF2-40B4-BE49-F238E27FC236}">
-                  <a16:creationId xmlns:a16="http://schemas.microsoft.com/office/drawing/2014/main" id="{1440FE83-CFD7-43CA-8F7D-4726C670613A}"/>
-                </a:ext>
-              </a:extLst>
-            </p:cNvPr>
-            <p:cNvCxnSpPr>
-              <a:cxnSpLocks/>
-            </p:cNvCxnSpPr>
-            <p:nvPr/>
-          </p:nvCxnSpPr>
-          <p:spPr>
-            <a:xfrm>
-              <a:off x="-1164898" y="4383842"/>
-              <a:ext cx="991842" cy="0"/>
-            </a:xfrm>
-            <a:prstGeom prst="straightConnector1">
-              <a:avLst/>
-            </a:prstGeom>
-            <a:ln>
-              <a:tailEnd type="triangle"/>
-            </a:ln>
-          </p:spPr>
-          <p:style>
-            <a:lnRef idx="1">
-              <a:schemeClr val="dk1"/>
-            </a:lnRef>
-            <a:fillRef idx="0">
-              <a:schemeClr val="dk1"/>
-            </a:fillRef>
-            <a:effectRef idx="0">
-              <a:schemeClr val="dk1"/>
-            </a:effectRef>
-            <a:fontRef idx="minor">
-              <a:schemeClr val="tx1"/>
-            </a:fontRef>
-          </p:style>
-        </p:cxnSp>
-        <p:sp>
-          <p:nvSpPr>
-            <p:cNvPr id="5" name="TextBox 4">
-              <a:extLst>
-                <a:ext uri="{FF2B5EF4-FFF2-40B4-BE49-F238E27FC236}">
-                  <a16:creationId xmlns:a16="http://schemas.microsoft.com/office/drawing/2014/main" id="{07AB3201-A76D-4017-B84E-A133FCC6CC73}"/>
-                </a:ext>
-              </a:extLst>
-            </p:cNvPr>
-            <p:cNvSpPr txBox="1"/>
-            <p:nvPr/>
-          </p:nvSpPr>
-          <p:spPr>
-            <a:xfrm>
-              <a:off x="-3067663" y="4214565"/>
-              <a:ext cx="1490729" cy="338554"/>
-            </a:xfrm>
-            <a:prstGeom prst="rect">
-              <a:avLst/>
-            </a:prstGeom>
-            <a:noFill/>
-          </p:spPr>
-          <p:txBody>
-            <a:bodyPr wrap="none" rtlCol="0">
-              <a:spAutoFit/>
-            </a:bodyPr>
-            <a:lstStyle/>
-            <a:p>
-              <a:r>
-                <a:rPr lang="en-US" sz="1600" dirty="0">
-                  <a:latin typeface="Avenir Next LT Pro" panose="020B0504020202020204" pitchFamily="34" charset="0"/>
-                </a:rPr>
-                <a:t>List of reviews</a:t>
-              </a:r>
-            </a:p>
-          </p:txBody>
-        </p:sp>
-        <p:sp>
-          <p:nvSpPr>
-            <p:cNvPr id="6" name="Rectangle: Rounded Corners 5">
-              <a:extLst>
-                <a:ext uri="{FF2B5EF4-FFF2-40B4-BE49-F238E27FC236}">
-                  <a16:creationId xmlns:a16="http://schemas.microsoft.com/office/drawing/2014/main" id="{18206446-0381-4340-B921-2AC9323E3550}"/>
-                </a:ext>
-              </a:extLst>
-            </p:cNvPr>
-            <p:cNvSpPr/>
-            <p:nvPr/>
-          </p:nvSpPr>
-          <p:spPr>
-            <a:xfrm>
-              <a:off x="0" y="1451446"/>
-              <a:ext cx="12191997" cy="601308"/>
-            </a:xfrm>
-            <a:prstGeom prst="roundRect">
-              <a:avLst>
-                <a:gd name="adj" fmla="val 23080"/>
-              </a:avLst>
-            </a:prstGeom>
-            <a:noFill/>
-            <a:ln w="28575" cap="flat" cmpd="sng" algn="ctr">
-              <a:solidFill>
-                <a:schemeClr val="accent2"/>
-              </a:solidFill>
-              <a:prstDash val="solid"/>
-              <a:round/>
-              <a:headEnd type="none" w="med" len="med"/>
-              <a:tailEnd type="none" w="med" len="med"/>
-            </a:ln>
-          </p:spPr>
-          <p:style>
-            <a:lnRef idx="0">
-              <a:scrgbClr r="0" g="0" b="0"/>
-            </a:lnRef>
-            <a:fillRef idx="0">
-              <a:scrgbClr r="0" g="0" b="0"/>
-            </a:fillRef>
-            <a:effectRef idx="0">
-              <a:scrgbClr r="0" g="0" b="0"/>
-            </a:effectRef>
-            <a:fontRef idx="minor">
-              <a:schemeClr val="accent1"/>
-            </a:fontRef>
-          </p:style>
-          <p:txBody>
-            <a:bodyPr rtlCol="0" anchor="ctr"/>
-            <a:lstStyle/>
-            <a:p>
-              <a:pPr algn="ctr"/>
-              <a:endParaRPr lang="en-US"/>
-            </a:p>
-          </p:txBody>
-        </p:sp>
-        <p:sp>
-          <p:nvSpPr>
-            <p:cNvPr id="7" name="Rectangle: Rounded Corners 6">
-              <a:extLst>
-                <a:ext uri="{FF2B5EF4-FFF2-40B4-BE49-F238E27FC236}">
-                  <a16:creationId xmlns:a16="http://schemas.microsoft.com/office/drawing/2014/main" id="{066CDC11-8F3A-496D-ABE0-C4F80EC5A307}"/>
-                </a:ext>
-              </a:extLst>
-            </p:cNvPr>
-            <p:cNvSpPr/>
-            <p:nvPr/>
-          </p:nvSpPr>
-          <p:spPr>
-            <a:xfrm>
-              <a:off x="-2" y="2215035"/>
-              <a:ext cx="12191999" cy="277068"/>
-            </a:xfrm>
-            <a:prstGeom prst="roundRect">
-              <a:avLst>
-                <a:gd name="adj" fmla="val 21230"/>
-              </a:avLst>
-            </a:prstGeom>
-            <a:noFill/>
-            <a:ln w="28575" cap="flat" cmpd="sng" algn="ctr">
-              <a:solidFill>
-                <a:schemeClr val="accent2"/>
-              </a:solidFill>
-              <a:prstDash val="solid"/>
-              <a:round/>
-              <a:headEnd type="none" w="med" len="med"/>
-              <a:tailEnd type="none" w="med" len="med"/>
-            </a:ln>
-          </p:spPr>
-          <p:style>
-            <a:lnRef idx="0">
-              <a:scrgbClr r="0" g="0" b="0"/>
-            </a:lnRef>
-            <a:fillRef idx="0">
-              <a:scrgbClr r="0" g="0" b="0"/>
-            </a:fillRef>
-            <a:effectRef idx="0">
-              <a:scrgbClr r="0" g="0" b="0"/>
-            </a:effectRef>
-            <a:fontRef idx="minor">
-              <a:schemeClr val="accent1"/>
-            </a:fontRef>
-          </p:style>
-          <p:txBody>
-            <a:bodyPr rtlCol="0" anchor="ctr"/>
-            <a:lstStyle/>
-            <a:p>
-              <a:pPr algn="ctr"/>
-              <a:endParaRPr lang="en-US"/>
-            </a:p>
-          </p:txBody>
-        </p:sp>
-        <p:cxnSp>
-          <p:nvCxnSpPr>
-            <p:cNvPr id="8" name="Straight Arrow Connector 7">
-              <a:extLst>
-                <a:ext uri="{FF2B5EF4-FFF2-40B4-BE49-F238E27FC236}">
-                  <a16:creationId xmlns:a16="http://schemas.microsoft.com/office/drawing/2014/main" id="{3406171E-2496-453F-B99E-183D793DA6B8}"/>
-                </a:ext>
-              </a:extLst>
-            </p:cNvPr>
-            <p:cNvCxnSpPr>
-              <a:cxnSpLocks/>
-            </p:cNvCxnSpPr>
-            <p:nvPr/>
-          </p:nvCxnSpPr>
-          <p:spPr>
-            <a:xfrm>
-              <a:off x="-1145904" y="1740499"/>
-              <a:ext cx="991842" cy="0"/>
-            </a:xfrm>
-            <a:prstGeom prst="straightConnector1">
-              <a:avLst/>
-            </a:prstGeom>
-            <a:ln>
-              <a:tailEnd type="triangle"/>
-            </a:ln>
-          </p:spPr>
-          <p:style>
-            <a:lnRef idx="1">
-              <a:schemeClr val="dk1"/>
-            </a:lnRef>
-            <a:fillRef idx="0">
-              <a:schemeClr val="dk1"/>
-            </a:fillRef>
-            <a:effectRef idx="0">
-              <a:schemeClr val="dk1"/>
-            </a:effectRef>
-            <a:fontRef idx="minor">
-              <a:schemeClr val="tx1"/>
-            </a:fontRef>
-          </p:style>
-        </p:cxnSp>
-        <p:sp>
-          <p:nvSpPr>
-            <p:cNvPr id="9" name="TextBox 8">
-              <a:extLst>
-                <a:ext uri="{FF2B5EF4-FFF2-40B4-BE49-F238E27FC236}">
-                  <a16:creationId xmlns:a16="http://schemas.microsoft.com/office/drawing/2014/main" id="{F8D38787-51D9-4BA2-963F-3523397AEBF6}"/>
-                </a:ext>
-              </a:extLst>
-            </p:cNvPr>
-            <p:cNvSpPr txBox="1"/>
-            <p:nvPr/>
-          </p:nvSpPr>
-          <p:spPr>
-            <a:xfrm>
-              <a:off x="-3048669" y="1586610"/>
-              <a:ext cx="1094980" cy="338554"/>
-            </a:xfrm>
-            <a:prstGeom prst="rect">
-              <a:avLst/>
-            </a:prstGeom>
-            <a:noFill/>
-          </p:spPr>
-          <p:txBody>
-            <a:bodyPr wrap="none" rtlCol="0">
-              <a:spAutoFit/>
-            </a:bodyPr>
-            <a:lstStyle/>
-            <a:p>
-              <a:r>
-                <a:rPr lang="en-US" sz="1600" dirty="0">
-                  <a:latin typeface="Avenir Next LT Pro" panose="020B0504020202020204" pitchFamily="34" charset="0"/>
-                </a:rPr>
-                <a:t>Keywords</a:t>
-              </a:r>
-            </a:p>
-          </p:txBody>
-        </p:sp>
-        <p:cxnSp>
-          <p:nvCxnSpPr>
-            <p:cNvPr id="10" name="Straight Arrow Connector 9">
-              <a:extLst>
-                <a:ext uri="{FF2B5EF4-FFF2-40B4-BE49-F238E27FC236}">
-                  <a16:creationId xmlns:a16="http://schemas.microsoft.com/office/drawing/2014/main" id="{702A59A1-2C7D-4B7D-9C1D-FC6707A3F4F3}"/>
-                </a:ext>
-              </a:extLst>
-            </p:cNvPr>
-            <p:cNvCxnSpPr>
-              <a:cxnSpLocks/>
-            </p:cNvCxnSpPr>
-            <p:nvPr/>
-          </p:nvCxnSpPr>
-          <p:spPr>
-            <a:xfrm>
-              <a:off x="-1164898" y="2371116"/>
-              <a:ext cx="1010836" cy="0"/>
-            </a:xfrm>
-            <a:prstGeom prst="straightConnector1">
-              <a:avLst/>
-            </a:prstGeom>
-            <a:ln>
-              <a:tailEnd type="triangle"/>
-            </a:ln>
-          </p:spPr>
-          <p:style>
-            <a:lnRef idx="1">
-              <a:schemeClr val="dk1"/>
-            </a:lnRef>
-            <a:fillRef idx="0">
-              <a:schemeClr val="dk1"/>
-            </a:fillRef>
-            <a:effectRef idx="0">
-              <a:schemeClr val="dk1"/>
-            </a:effectRef>
-            <a:fontRef idx="minor">
-              <a:schemeClr val="tx1"/>
-            </a:fontRef>
-          </p:style>
-        </p:cxnSp>
-        <p:sp>
-          <p:nvSpPr>
-            <p:cNvPr id="11" name="TextBox 10">
-              <a:extLst>
-                <a:ext uri="{FF2B5EF4-FFF2-40B4-BE49-F238E27FC236}">
-                  <a16:creationId xmlns:a16="http://schemas.microsoft.com/office/drawing/2014/main" id="{24704457-8868-4C7D-98DD-CF1512EE2650}"/>
-                </a:ext>
-              </a:extLst>
-            </p:cNvPr>
-            <p:cNvSpPr txBox="1"/>
-            <p:nvPr/>
-          </p:nvSpPr>
-          <p:spPr>
-            <a:xfrm>
-              <a:off x="-3067663" y="2197435"/>
-              <a:ext cx="1226618" cy="338554"/>
-            </a:xfrm>
-            <a:prstGeom prst="rect">
-              <a:avLst/>
-            </a:prstGeom>
-            <a:noFill/>
-          </p:spPr>
-          <p:txBody>
-            <a:bodyPr wrap="none" rtlCol="0">
-              <a:spAutoFit/>
-            </a:bodyPr>
-            <a:lstStyle/>
-            <a:p>
-              <a:r>
-                <a:rPr lang="en-US" sz="1600" dirty="0">
-                  <a:latin typeface="Avenir Next LT Pro" panose="020B0504020202020204" pitchFamily="34" charset="0"/>
-                </a:rPr>
-                <a:t>Sentiments</a:t>
-              </a:r>
-            </a:p>
-          </p:txBody>
-        </p:sp>
-        <p:cxnSp>
-          <p:nvCxnSpPr>
-            <p:cNvPr id="12" name="Straight Arrow Connector 11">
-              <a:extLst>
-                <a:ext uri="{FF2B5EF4-FFF2-40B4-BE49-F238E27FC236}">
-                  <a16:creationId xmlns:a16="http://schemas.microsoft.com/office/drawing/2014/main" id="{24431E1C-FDF1-4645-AAE4-F1DFAAFC7215}"/>
-                </a:ext>
-              </a:extLst>
-            </p:cNvPr>
-            <p:cNvCxnSpPr>
-              <a:cxnSpLocks/>
-            </p:cNvCxnSpPr>
-            <p:nvPr/>
-          </p:nvCxnSpPr>
-          <p:spPr>
-            <a:xfrm flipH="1">
-              <a:off x="12334458" y="4383842"/>
-              <a:ext cx="976774" cy="0"/>
-            </a:xfrm>
-            <a:prstGeom prst="straightConnector1">
-              <a:avLst/>
-            </a:prstGeom>
-            <a:ln>
-              <a:tailEnd type="triangle"/>
-            </a:ln>
-          </p:spPr>
-          <p:style>
-            <a:lnRef idx="1">
-              <a:schemeClr val="dk1"/>
-            </a:lnRef>
-            <a:fillRef idx="0">
-              <a:schemeClr val="dk1"/>
-            </a:fillRef>
-            <a:effectRef idx="0">
-              <a:schemeClr val="dk1"/>
-            </a:effectRef>
-            <a:fontRef idx="minor">
-              <a:schemeClr val="tx1"/>
-            </a:fontRef>
-          </p:style>
-        </p:cxnSp>
-        <p:sp>
-          <p:nvSpPr>
-            <p:cNvPr id="13" name="TextBox 12">
-              <a:extLst>
-                <a:ext uri="{FF2B5EF4-FFF2-40B4-BE49-F238E27FC236}">
-                  <a16:creationId xmlns:a16="http://schemas.microsoft.com/office/drawing/2014/main" id="{60E90318-F2D2-448E-BB6E-7F2E784C1B31}"/>
-                </a:ext>
-              </a:extLst>
-            </p:cNvPr>
-            <p:cNvSpPr txBox="1"/>
-            <p:nvPr/>
-          </p:nvSpPr>
-          <p:spPr>
-            <a:xfrm>
-              <a:off x="13311232" y="4214565"/>
-              <a:ext cx="1782989" cy="830997"/>
-            </a:xfrm>
-            <a:prstGeom prst="rect">
-              <a:avLst/>
-            </a:prstGeom>
-            <a:noFill/>
-          </p:spPr>
-          <p:txBody>
-            <a:bodyPr wrap="none" rtlCol="0">
-              <a:spAutoFit/>
-            </a:bodyPr>
-            <a:lstStyle/>
-            <a:p>
-              <a:r>
-                <a:rPr lang="en-US" sz="1600" dirty="0">
-                  <a:latin typeface="Avenir Next LT Pro" panose="020B0504020202020204" pitchFamily="34" charset="0"/>
-                </a:rPr>
-                <a:t>List of suggested</a:t>
-              </a:r>
-            </a:p>
-            <a:p>
-              <a:r>
-                <a:rPr lang="en-US" sz="1600" dirty="0">
-                  <a:latin typeface="Avenir Next LT Pro" panose="020B0504020202020204" pitchFamily="34" charset="0"/>
-                </a:rPr>
-                <a:t>Reviews that you</a:t>
-              </a:r>
-            </a:p>
-            <a:p>
-              <a:r>
-                <a:rPr lang="en-US" sz="1600" dirty="0">
-                  <a:latin typeface="Avenir Next LT Pro" panose="020B0504020202020204" pitchFamily="34" charset="0"/>
-                </a:rPr>
-                <a:t>May find useful</a:t>
-              </a:r>
-            </a:p>
-          </p:txBody>
-        </p:sp>
-        <p:sp>
-          <p:nvSpPr>
-            <p:cNvPr id="14" name="Rectangle: Rounded Corners 13">
-              <a:extLst>
-                <a:ext uri="{FF2B5EF4-FFF2-40B4-BE49-F238E27FC236}">
-                  <a16:creationId xmlns:a16="http://schemas.microsoft.com/office/drawing/2014/main" id="{F27A9052-1907-4645-AC21-38A400F959C4}"/>
-                </a:ext>
-              </a:extLst>
-            </p:cNvPr>
-            <p:cNvSpPr/>
-            <p:nvPr/>
-          </p:nvSpPr>
-          <p:spPr>
-            <a:xfrm>
-              <a:off x="1" y="3004457"/>
-              <a:ext cx="6004848" cy="2722094"/>
-            </a:xfrm>
-            <a:prstGeom prst="roundRect">
-              <a:avLst>
-                <a:gd name="adj" fmla="val 2426"/>
-              </a:avLst>
-            </a:prstGeom>
-            <a:noFill/>
-            <a:ln w="28575" cap="flat" cmpd="sng" algn="ctr">
-              <a:solidFill>
-                <a:schemeClr val="accent2"/>
-              </a:solidFill>
-              <a:prstDash val="solid"/>
-              <a:round/>
-              <a:headEnd type="none" w="med" len="med"/>
-              <a:tailEnd type="none" w="med" len="med"/>
-            </a:ln>
-          </p:spPr>
-          <p:style>
-            <a:lnRef idx="0">
-              <a:scrgbClr r="0" g="0" b="0"/>
-            </a:lnRef>
-            <a:fillRef idx="0">
-              <a:scrgbClr r="0" g="0" b="0"/>
-            </a:fillRef>
-            <a:effectRef idx="0">
-              <a:scrgbClr r="0" g="0" b="0"/>
-            </a:effectRef>
-            <a:fontRef idx="minor">
-              <a:schemeClr val="accent1"/>
-            </a:fontRef>
-          </p:style>
-          <p:txBody>
-            <a:bodyPr rtlCol="0" anchor="ctr"/>
-            <a:lstStyle/>
-            <a:p>
-              <a:pPr algn="ctr"/>
-              <a:endParaRPr lang="en-US"/>
-            </a:p>
-          </p:txBody>
-        </p:sp>
-        <p:sp>
-          <p:nvSpPr>
-            <p:cNvPr id="15" name="Rectangle: Rounded Corners 14">
-              <a:extLst>
-                <a:ext uri="{FF2B5EF4-FFF2-40B4-BE49-F238E27FC236}">
-                  <a16:creationId xmlns:a16="http://schemas.microsoft.com/office/drawing/2014/main" id="{1CF3C03E-7E5A-493D-86EE-5605B96F963E}"/>
-                </a:ext>
-              </a:extLst>
-            </p:cNvPr>
-            <p:cNvSpPr/>
-            <p:nvPr/>
-          </p:nvSpPr>
-          <p:spPr>
-            <a:xfrm>
-              <a:off x="6072758" y="3004456"/>
-              <a:ext cx="6119242" cy="2722095"/>
-            </a:xfrm>
-            <a:prstGeom prst="roundRect">
-              <a:avLst>
-                <a:gd name="adj" fmla="val 2426"/>
-              </a:avLst>
-            </a:prstGeom>
-            <a:noFill/>
-            <a:ln w="28575" cap="flat" cmpd="sng" algn="ctr">
-              <a:solidFill>
-                <a:schemeClr val="accent2"/>
-              </a:solidFill>
-              <a:prstDash val="solid"/>
-              <a:round/>
-              <a:headEnd type="none" w="med" len="med"/>
-              <a:tailEnd type="none" w="med" len="med"/>
-            </a:ln>
-          </p:spPr>
-          <p:style>
-            <a:lnRef idx="0">
-              <a:scrgbClr r="0" g="0" b="0"/>
-            </a:lnRef>
-            <a:fillRef idx="0">
-              <a:scrgbClr r="0" g="0" b="0"/>
-            </a:fillRef>
-            <a:effectRef idx="0">
-              <a:scrgbClr r="0" g="0" b="0"/>
-            </a:effectRef>
-            <a:fontRef idx="minor">
-              <a:schemeClr val="accent1"/>
-            </a:fontRef>
-          </p:style>
-          <p:txBody>
-            <a:bodyPr rtlCol="0" anchor="ctr"/>
-            <a:lstStyle/>
-            <a:p>
-              <a:pPr algn="ctr"/>
-              <a:endParaRPr lang="en-US"/>
-            </a:p>
-          </p:txBody>
-        </p:sp>
-      </p:grpSp>
+          <a:prstGeom prst="rect">
+            <a:avLst/>
+          </a:prstGeom>
+        </p:spPr>
+      </p:pic>
+      <p:cxnSp>
+        <p:nvCxnSpPr>
+          <p:cNvPr id="4" name="Straight Arrow Connector 3">
+            <a:extLst>
+              <a:ext uri="{FF2B5EF4-FFF2-40B4-BE49-F238E27FC236}">
+                <a16:creationId xmlns:a16="http://schemas.microsoft.com/office/drawing/2014/main" id="{1440FE83-CFD7-43CA-8F7D-4726C670613A}"/>
+              </a:ext>
+            </a:extLst>
+          </p:cNvPr>
+          <p:cNvCxnSpPr>
+            <a:cxnSpLocks/>
+          </p:cNvCxnSpPr>
+          <p:nvPr/>
+        </p:nvCxnSpPr>
+        <p:spPr>
+          <a:xfrm>
+            <a:off x="-1164898" y="4383842"/>
+            <a:ext cx="991842" cy="0"/>
+          </a:xfrm>
+          <a:prstGeom prst="straightConnector1">
+            <a:avLst/>
+          </a:prstGeom>
+          <a:ln>
+            <a:tailEnd type="triangle"/>
+          </a:ln>
+        </p:spPr>
+        <p:style>
+          <a:lnRef idx="1">
+            <a:schemeClr val="dk1"/>
+          </a:lnRef>
+          <a:fillRef idx="0">
+            <a:schemeClr val="dk1"/>
+          </a:fillRef>
+          <a:effectRef idx="0">
+            <a:schemeClr val="dk1"/>
+          </a:effectRef>
+          <a:fontRef idx="minor">
+            <a:schemeClr val="tx1"/>
+          </a:fontRef>
+        </p:style>
+      </p:cxnSp>
+      <p:sp>
+        <p:nvSpPr>
+          <p:cNvPr id="5" name="TextBox 4">
+            <a:extLst>
+              <a:ext uri="{FF2B5EF4-FFF2-40B4-BE49-F238E27FC236}">
+                <a16:creationId xmlns:a16="http://schemas.microsoft.com/office/drawing/2014/main" id="{07AB3201-A76D-4017-B84E-A133FCC6CC73}"/>
+              </a:ext>
+            </a:extLst>
+          </p:cNvPr>
+          <p:cNvSpPr txBox="1"/>
+          <p:nvPr/>
+        </p:nvSpPr>
+        <p:spPr>
+          <a:xfrm>
+            <a:off x="-3067663" y="4214565"/>
+            <a:ext cx="1490729" cy="338554"/>
+          </a:xfrm>
+          <a:prstGeom prst="rect">
+            <a:avLst/>
+          </a:prstGeom>
+          <a:noFill/>
+        </p:spPr>
+        <p:txBody>
+          <a:bodyPr wrap="none" rtlCol="0">
+            <a:spAutoFit/>
+          </a:bodyPr>
+          <a:lstStyle/>
+          <a:p>
+            <a:r>
+              <a:rPr lang="en-US" sz="1600" dirty="0">
+                <a:latin typeface="Avenir Next LT Pro" panose="020B0504020202020204" pitchFamily="34" charset="0"/>
+              </a:rPr>
+              <a:t>List of reviews</a:t>
+            </a:r>
+          </a:p>
+        </p:txBody>
+      </p:sp>
+      <p:sp>
+        <p:nvSpPr>
+          <p:cNvPr id="6" name="Rectangle: Rounded Corners 5">
+            <a:extLst>
+              <a:ext uri="{FF2B5EF4-FFF2-40B4-BE49-F238E27FC236}">
+                <a16:creationId xmlns:a16="http://schemas.microsoft.com/office/drawing/2014/main" id="{18206446-0381-4340-B921-2AC9323E3550}"/>
+              </a:ext>
+            </a:extLst>
+          </p:cNvPr>
+          <p:cNvSpPr/>
+          <p:nvPr/>
+        </p:nvSpPr>
+        <p:spPr>
+          <a:xfrm>
+            <a:off x="0" y="1451446"/>
+            <a:ext cx="12191997" cy="601308"/>
+          </a:xfrm>
+          <a:prstGeom prst="roundRect">
+            <a:avLst>
+              <a:gd name="adj" fmla="val 23080"/>
+            </a:avLst>
+          </a:prstGeom>
+          <a:noFill/>
+          <a:ln w="28575" cap="flat" cmpd="sng" algn="ctr">
+            <a:solidFill>
+              <a:schemeClr val="accent2"/>
+            </a:solidFill>
+            <a:prstDash val="solid"/>
+            <a:round/>
+            <a:headEnd type="none" w="med" len="med"/>
+            <a:tailEnd type="none" w="med" len="med"/>
+          </a:ln>
+        </p:spPr>
+        <p:style>
+          <a:lnRef idx="0">
+            <a:scrgbClr r="0" g="0" b="0"/>
+          </a:lnRef>
+          <a:fillRef idx="0">
+            <a:scrgbClr r="0" g="0" b="0"/>
+          </a:fillRef>
+          <a:effectRef idx="0">
+            <a:scrgbClr r="0" g="0" b="0"/>
+          </a:effectRef>
+          <a:fontRef idx="minor">
+            <a:schemeClr val="accent1"/>
+          </a:fontRef>
+        </p:style>
+        <p:txBody>
+          <a:bodyPr rtlCol="0" anchor="ctr"/>
+          <a:lstStyle/>
+          <a:p>
+            <a:pPr algn="ctr"/>
+            <a:endParaRPr lang="en-US"/>
+          </a:p>
+        </p:txBody>
+      </p:sp>
+      <p:sp>
+        <p:nvSpPr>
+          <p:cNvPr id="7" name="Rectangle: Rounded Corners 6">
+            <a:extLst>
+              <a:ext uri="{FF2B5EF4-FFF2-40B4-BE49-F238E27FC236}">
+                <a16:creationId xmlns:a16="http://schemas.microsoft.com/office/drawing/2014/main" id="{066CDC11-8F3A-496D-ABE0-C4F80EC5A307}"/>
+              </a:ext>
+            </a:extLst>
+          </p:cNvPr>
+          <p:cNvSpPr/>
+          <p:nvPr/>
+        </p:nvSpPr>
+        <p:spPr>
+          <a:xfrm>
+            <a:off x="-2" y="2215035"/>
+            <a:ext cx="12191999" cy="277068"/>
+          </a:xfrm>
+          <a:prstGeom prst="roundRect">
+            <a:avLst>
+              <a:gd name="adj" fmla="val 21230"/>
+            </a:avLst>
+          </a:prstGeom>
+          <a:noFill/>
+          <a:ln w="28575" cap="flat" cmpd="sng" algn="ctr">
+            <a:solidFill>
+              <a:schemeClr val="accent2"/>
+            </a:solidFill>
+            <a:prstDash val="solid"/>
+            <a:round/>
+            <a:headEnd type="none" w="med" len="med"/>
+            <a:tailEnd type="none" w="med" len="med"/>
+          </a:ln>
+        </p:spPr>
+        <p:style>
+          <a:lnRef idx="0">
+            <a:scrgbClr r="0" g="0" b="0"/>
+          </a:lnRef>
+          <a:fillRef idx="0">
+            <a:scrgbClr r="0" g="0" b="0"/>
+          </a:fillRef>
+          <a:effectRef idx="0">
+            <a:scrgbClr r="0" g="0" b="0"/>
+          </a:effectRef>
+          <a:fontRef idx="minor">
+            <a:schemeClr val="accent1"/>
+          </a:fontRef>
+        </p:style>
+        <p:txBody>
+          <a:bodyPr rtlCol="0" anchor="ctr"/>
+          <a:lstStyle/>
+          <a:p>
+            <a:pPr algn="ctr"/>
+            <a:endParaRPr lang="en-US"/>
+          </a:p>
+        </p:txBody>
+      </p:sp>
+      <p:cxnSp>
+        <p:nvCxnSpPr>
+          <p:cNvPr id="8" name="Straight Arrow Connector 7">
+            <a:extLst>
+              <a:ext uri="{FF2B5EF4-FFF2-40B4-BE49-F238E27FC236}">
+                <a16:creationId xmlns:a16="http://schemas.microsoft.com/office/drawing/2014/main" id="{3406171E-2496-453F-B99E-183D793DA6B8}"/>
+              </a:ext>
+            </a:extLst>
+          </p:cNvPr>
+          <p:cNvCxnSpPr>
+            <a:cxnSpLocks/>
+          </p:cNvCxnSpPr>
+          <p:nvPr/>
+        </p:nvCxnSpPr>
+        <p:spPr>
+          <a:xfrm>
+            <a:off x="-1145904" y="1740499"/>
+            <a:ext cx="991842" cy="0"/>
+          </a:xfrm>
+          <a:prstGeom prst="straightConnector1">
+            <a:avLst/>
+          </a:prstGeom>
+          <a:ln>
+            <a:tailEnd type="triangle"/>
+          </a:ln>
+        </p:spPr>
+        <p:style>
+          <a:lnRef idx="1">
+            <a:schemeClr val="dk1"/>
+          </a:lnRef>
+          <a:fillRef idx="0">
+            <a:schemeClr val="dk1"/>
+          </a:fillRef>
+          <a:effectRef idx="0">
+            <a:schemeClr val="dk1"/>
+          </a:effectRef>
+          <a:fontRef idx="minor">
+            <a:schemeClr val="tx1"/>
+          </a:fontRef>
+        </p:style>
+      </p:cxnSp>
+      <p:sp>
+        <p:nvSpPr>
+          <p:cNvPr id="9" name="TextBox 8">
+            <a:extLst>
+              <a:ext uri="{FF2B5EF4-FFF2-40B4-BE49-F238E27FC236}">
+                <a16:creationId xmlns:a16="http://schemas.microsoft.com/office/drawing/2014/main" id="{F8D38787-51D9-4BA2-963F-3523397AEBF6}"/>
+              </a:ext>
+            </a:extLst>
+          </p:cNvPr>
+          <p:cNvSpPr txBox="1"/>
+          <p:nvPr/>
+        </p:nvSpPr>
+        <p:spPr>
+          <a:xfrm>
+            <a:off x="-3048669" y="1586610"/>
+            <a:ext cx="1094980" cy="338554"/>
+          </a:xfrm>
+          <a:prstGeom prst="rect">
+            <a:avLst/>
+          </a:prstGeom>
+          <a:noFill/>
+        </p:spPr>
+        <p:txBody>
+          <a:bodyPr wrap="none" rtlCol="0">
+            <a:spAutoFit/>
+          </a:bodyPr>
+          <a:lstStyle/>
+          <a:p>
+            <a:r>
+              <a:rPr lang="en-US" sz="1600" dirty="0">
+                <a:latin typeface="Avenir Next LT Pro" panose="020B0504020202020204" pitchFamily="34" charset="0"/>
+              </a:rPr>
+              <a:t>Keywords</a:t>
+            </a:r>
+          </a:p>
+        </p:txBody>
+      </p:sp>
+      <p:cxnSp>
+        <p:nvCxnSpPr>
+          <p:cNvPr id="10" name="Straight Arrow Connector 9">
+            <a:extLst>
+              <a:ext uri="{FF2B5EF4-FFF2-40B4-BE49-F238E27FC236}">
+                <a16:creationId xmlns:a16="http://schemas.microsoft.com/office/drawing/2014/main" id="{702A59A1-2C7D-4B7D-9C1D-FC6707A3F4F3}"/>
+              </a:ext>
+            </a:extLst>
+          </p:cNvPr>
+          <p:cNvCxnSpPr>
+            <a:cxnSpLocks/>
+          </p:cNvCxnSpPr>
+          <p:nvPr/>
+        </p:nvCxnSpPr>
+        <p:spPr>
+          <a:xfrm>
+            <a:off x="-1164898" y="2371116"/>
+            <a:ext cx="1010836" cy="0"/>
+          </a:xfrm>
+          <a:prstGeom prst="straightConnector1">
+            <a:avLst/>
+          </a:prstGeom>
+          <a:ln>
+            <a:tailEnd type="triangle"/>
+          </a:ln>
+        </p:spPr>
+        <p:style>
+          <a:lnRef idx="1">
+            <a:schemeClr val="dk1"/>
+          </a:lnRef>
+          <a:fillRef idx="0">
+            <a:schemeClr val="dk1"/>
+          </a:fillRef>
+          <a:effectRef idx="0">
+            <a:schemeClr val="dk1"/>
+          </a:effectRef>
+          <a:fontRef idx="minor">
+            <a:schemeClr val="tx1"/>
+          </a:fontRef>
+        </p:style>
+      </p:cxnSp>
+      <p:sp>
+        <p:nvSpPr>
+          <p:cNvPr id="11" name="TextBox 10">
+            <a:extLst>
+              <a:ext uri="{FF2B5EF4-FFF2-40B4-BE49-F238E27FC236}">
+                <a16:creationId xmlns:a16="http://schemas.microsoft.com/office/drawing/2014/main" id="{24704457-8868-4C7D-98DD-CF1512EE2650}"/>
+              </a:ext>
+            </a:extLst>
+          </p:cNvPr>
+          <p:cNvSpPr txBox="1"/>
+          <p:nvPr/>
+        </p:nvSpPr>
+        <p:spPr>
+          <a:xfrm>
+            <a:off x="-3067663" y="2197435"/>
+            <a:ext cx="1226618" cy="338554"/>
+          </a:xfrm>
+          <a:prstGeom prst="rect">
+            <a:avLst/>
+          </a:prstGeom>
+          <a:noFill/>
+        </p:spPr>
+        <p:txBody>
+          <a:bodyPr wrap="none" rtlCol="0">
+            <a:spAutoFit/>
+          </a:bodyPr>
+          <a:lstStyle/>
+          <a:p>
+            <a:r>
+              <a:rPr lang="en-US" sz="1600" dirty="0">
+                <a:latin typeface="Avenir Next LT Pro" panose="020B0504020202020204" pitchFamily="34" charset="0"/>
+              </a:rPr>
+              <a:t>Sentiments</a:t>
+            </a:r>
+          </a:p>
+        </p:txBody>
+      </p:sp>
+      <p:cxnSp>
+        <p:nvCxnSpPr>
+          <p:cNvPr id="12" name="Straight Arrow Connector 11">
+            <a:extLst>
+              <a:ext uri="{FF2B5EF4-FFF2-40B4-BE49-F238E27FC236}">
+                <a16:creationId xmlns:a16="http://schemas.microsoft.com/office/drawing/2014/main" id="{24431E1C-FDF1-4645-AAE4-F1DFAAFC7215}"/>
+              </a:ext>
+            </a:extLst>
+          </p:cNvPr>
+          <p:cNvCxnSpPr>
+            <a:cxnSpLocks/>
+          </p:cNvCxnSpPr>
+          <p:nvPr/>
+        </p:nvCxnSpPr>
+        <p:spPr>
+          <a:xfrm flipH="1">
+            <a:off x="12334458" y="4383842"/>
+            <a:ext cx="976774" cy="0"/>
+          </a:xfrm>
+          <a:prstGeom prst="straightConnector1">
+            <a:avLst/>
+          </a:prstGeom>
+          <a:ln>
+            <a:tailEnd type="triangle"/>
+          </a:ln>
+        </p:spPr>
+        <p:style>
+          <a:lnRef idx="1">
+            <a:schemeClr val="dk1"/>
+          </a:lnRef>
+          <a:fillRef idx="0">
+            <a:schemeClr val="dk1"/>
+          </a:fillRef>
+          <a:effectRef idx="0">
+            <a:schemeClr val="dk1"/>
+          </a:effectRef>
+          <a:fontRef idx="minor">
+            <a:schemeClr val="tx1"/>
+          </a:fontRef>
+        </p:style>
+      </p:cxnSp>
+      <p:sp>
+        <p:nvSpPr>
+          <p:cNvPr id="13" name="TextBox 12">
+            <a:extLst>
+              <a:ext uri="{FF2B5EF4-FFF2-40B4-BE49-F238E27FC236}">
+                <a16:creationId xmlns:a16="http://schemas.microsoft.com/office/drawing/2014/main" id="{60E90318-F2D2-448E-BB6E-7F2E784C1B31}"/>
+              </a:ext>
+            </a:extLst>
+          </p:cNvPr>
+          <p:cNvSpPr txBox="1"/>
+          <p:nvPr/>
+        </p:nvSpPr>
+        <p:spPr>
+          <a:xfrm>
+            <a:off x="13311232" y="4214565"/>
+            <a:ext cx="1782989" cy="830997"/>
+          </a:xfrm>
+          <a:prstGeom prst="rect">
+            <a:avLst/>
+          </a:prstGeom>
+          <a:noFill/>
+        </p:spPr>
+        <p:txBody>
+          <a:bodyPr wrap="none" rtlCol="0">
+            <a:spAutoFit/>
+          </a:bodyPr>
+          <a:lstStyle/>
+          <a:p>
+            <a:r>
+              <a:rPr lang="en-US" sz="1600" dirty="0">
+                <a:latin typeface="Avenir Next LT Pro" panose="020B0504020202020204" pitchFamily="34" charset="0"/>
+              </a:rPr>
+              <a:t>List of suggested</a:t>
+            </a:r>
+          </a:p>
+          <a:p>
+            <a:r>
+              <a:rPr lang="en-US" sz="1600" dirty="0">
+                <a:latin typeface="Avenir Next LT Pro" panose="020B0504020202020204" pitchFamily="34" charset="0"/>
+              </a:rPr>
+              <a:t>Reviews that you</a:t>
+            </a:r>
+          </a:p>
+          <a:p>
+            <a:r>
+              <a:rPr lang="en-US" sz="1600" dirty="0">
+                <a:latin typeface="Avenir Next LT Pro" panose="020B0504020202020204" pitchFamily="34" charset="0"/>
+              </a:rPr>
+              <a:t>May find useful</a:t>
+            </a:r>
+          </a:p>
+        </p:txBody>
+      </p:sp>
+      <p:sp>
+        <p:nvSpPr>
+          <p:cNvPr id="14" name="Rectangle: Rounded Corners 13">
+            <a:extLst>
+              <a:ext uri="{FF2B5EF4-FFF2-40B4-BE49-F238E27FC236}">
+                <a16:creationId xmlns:a16="http://schemas.microsoft.com/office/drawing/2014/main" id="{F27A9052-1907-4645-AC21-38A400F959C4}"/>
+              </a:ext>
+            </a:extLst>
+          </p:cNvPr>
+          <p:cNvSpPr/>
+          <p:nvPr/>
+        </p:nvSpPr>
+        <p:spPr>
+          <a:xfrm>
+            <a:off x="1" y="3004457"/>
+            <a:ext cx="6004848" cy="2722094"/>
+          </a:xfrm>
+          <a:prstGeom prst="roundRect">
+            <a:avLst>
+              <a:gd name="adj" fmla="val 2426"/>
+            </a:avLst>
+          </a:prstGeom>
+          <a:noFill/>
+          <a:ln w="28575" cap="flat" cmpd="sng" algn="ctr">
+            <a:solidFill>
+              <a:schemeClr val="accent2"/>
+            </a:solidFill>
+            <a:prstDash val="solid"/>
+            <a:round/>
+            <a:headEnd type="none" w="med" len="med"/>
+            <a:tailEnd type="none" w="med" len="med"/>
+          </a:ln>
+        </p:spPr>
+        <p:style>
+          <a:lnRef idx="0">
+            <a:scrgbClr r="0" g="0" b="0"/>
+          </a:lnRef>
+          <a:fillRef idx="0">
+            <a:scrgbClr r="0" g="0" b="0"/>
+          </a:fillRef>
+          <a:effectRef idx="0">
+            <a:scrgbClr r="0" g="0" b="0"/>
+          </a:effectRef>
+          <a:fontRef idx="minor">
+            <a:schemeClr val="accent1"/>
+          </a:fontRef>
+        </p:style>
+        <p:txBody>
+          <a:bodyPr rtlCol="0" anchor="ctr"/>
+          <a:lstStyle/>
+          <a:p>
+            <a:pPr algn="ctr"/>
+            <a:endParaRPr lang="en-US"/>
+          </a:p>
+        </p:txBody>
+      </p:sp>
+      <p:sp>
+        <p:nvSpPr>
+          <p:cNvPr id="15" name="Rectangle: Rounded Corners 14">
+            <a:extLst>
+              <a:ext uri="{FF2B5EF4-FFF2-40B4-BE49-F238E27FC236}">
+                <a16:creationId xmlns:a16="http://schemas.microsoft.com/office/drawing/2014/main" id="{1CF3C03E-7E5A-493D-86EE-5605B96F963E}"/>
+              </a:ext>
+            </a:extLst>
+          </p:cNvPr>
+          <p:cNvSpPr/>
+          <p:nvPr/>
+        </p:nvSpPr>
+        <p:spPr>
+          <a:xfrm>
+            <a:off x="6072758" y="3004456"/>
+            <a:ext cx="6119242" cy="2722095"/>
+          </a:xfrm>
+          <a:prstGeom prst="roundRect">
+            <a:avLst>
+              <a:gd name="adj" fmla="val 2426"/>
+            </a:avLst>
+          </a:prstGeom>
+          <a:noFill/>
+          <a:ln w="28575" cap="flat" cmpd="sng" algn="ctr">
+            <a:solidFill>
+              <a:schemeClr val="accent2"/>
+            </a:solidFill>
+            <a:prstDash val="solid"/>
+            <a:round/>
+            <a:headEnd type="none" w="med" len="med"/>
+            <a:tailEnd type="none" w="med" len="med"/>
+          </a:ln>
+        </p:spPr>
+        <p:style>
+          <a:lnRef idx="0">
+            <a:scrgbClr r="0" g="0" b="0"/>
+          </a:lnRef>
+          <a:fillRef idx="0">
+            <a:scrgbClr r="0" g="0" b="0"/>
+          </a:fillRef>
+          <a:effectRef idx="0">
+            <a:scrgbClr r="0" g="0" b="0"/>
+          </a:effectRef>
+          <a:fontRef idx="minor">
+            <a:schemeClr val="accent1"/>
+          </a:fontRef>
+        </p:style>
+        <p:txBody>
+          <a:bodyPr rtlCol="0" anchor="ctr"/>
+          <a:lstStyle/>
+          <a:p>
+            <a:pPr algn="ctr"/>
+            <a:endParaRPr lang="en-US"/>
+          </a:p>
+        </p:txBody>
+      </p:sp>
     </p:spTree>
     <p:extLst>
       <p:ext uri="{BB962C8B-B14F-4D97-AF65-F5344CB8AC3E}">
@@ -7350,6 +7350,36 @@
           <a:chExt cx="0" cy="0"/>
         </a:xfrm>
       </p:grpSpPr>
+      <p:pic>
+        <p:nvPicPr>
+          <p:cNvPr id="7" name="Picture 6">
+            <a:extLst>
+              <a:ext uri="{FF2B5EF4-FFF2-40B4-BE49-F238E27FC236}">
+                <a16:creationId xmlns:a16="http://schemas.microsoft.com/office/drawing/2014/main" id="{AAECB237-9BB7-4F56-929A-0EB84217B103}"/>
+              </a:ext>
+            </a:extLst>
+          </p:cNvPr>
+          <p:cNvPicPr>
+            <a:picLocks noChangeAspect="1"/>
+          </p:cNvPicPr>
+          <p:nvPr/>
+        </p:nvPicPr>
+        <p:blipFill>
+          <a:blip r:embed="rId2"/>
+          <a:stretch>
+            <a:fillRect/>
+          </a:stretch>
+        </p:blipFill>
+        <p:spPr>
+          <a:xfrm>
+            <a:off x="0" y="1727120"/>
+            <a:ext cx="12192000" cy="3403760"/>
+          </a:xfrm>
+          <a:prstGeom prst="rect">
+            <a:avLst/>
+          </a:prstGeom>
+        </p:spPr>
+      </p:pic>
     </p:spTree>
     <p:extLst>
       <p:ext uri="{BB962C8B-B14F-4D97-AF65-F5344CB8AC3E}">
@@ -7382,10 +7412,10 @@
       </p:grpSpPr>
       <p:grpSp>
         <p:nvGrpSpPr>
-          <p:cNvPr id="5" name="Group 4">
-            <a:extLst>
-              <a:ext uri="{FF2B5EF4-FFF2-40B4-BE49-F238E27FC236}">
-                <a16:creationId xmlns:a16="http://schemas.microsoft.com/office/drawing/2014/main" id="{FFA7C137-243A-4C78-89E2-B832E91DDA3B}"/>
+          <p:cNvPr id="6" name="Group 5">
+            <a:extLst>
+              <a:ext uri="{FF2B5EF4-FFF2-40B4-BE49-F238E27FC236}">
+                <a16:creationId xmlns:a16="http://schemas.microsoft.com/office/drawing/2014/main" id="{8F14946C-7626-404E-93B5-078589869F4B}"/>
               </a:ext>
             </a:extLst>
           </p:cNvPr>
@@ -7394,18 +7424,18 @@
         </p:nvGrpSpPr>
         <p:grpSpPr>
           <a:xfrm>
-            <a:off x="-3035733" y="971992"/>
-            <a:ext cx="18089601" cy="5273395"/>
-            <a:chOff x="-3035733" y="971992"/>
-            <a:chExt cx="18089601" cy="5273395"/>
+            <a:off x="-3035733" y="970322"/>
+            <a:ext cx="18089601" cy="4917356"/>
+            <a:chOff x="-3035733" y="970322"/>
+            <a:chExt cx="18089601" cy="4917356"/>
           </a:xfrm>
         </p:grpSpPr>
         <p:pic>
           <p:nvPicPr>
-            <p:cNvPr id="4" name="Picture 3">
+            <p:cNvPr id="3" name="Picture 2">
               <a:extLst>
                 <a:ext uri="{FF2B5EF4-FFF2-40B4-BE49-F238E27FC236}">
-                  <a16:creationId xmlns:a16="http://schemas.microsoft.com/office/drawing/2014/main" id="{5B75E9D7-E378-4889-BC1E-60F7F615FE4C}"/>
+                  <a16:creationId xmlns:a16="http://schemas.microsoft.com/office/drawing/2014/main" id="{787F68D6-D2F2-4DFF-84CA-8D728DED852F}"/>
                 </a:ext>
               </a:extLst>
             </p:cNvPr>
@@ -7422,8 +7452,8 @@
           </p:blipFill>
           <p:spPr>
             <a:xfrm>
-              <a:off x="0" y="971992"/>
-              <a:ext cx="12192000" cy="5233329"/>
+              <a:off x="0" y="970322"/>
+              <a:ext cx="12192000" cy="4917356"/>
             </a:xfrm>
             <a:prstGeom prst="rect">
               <a:avLst/>
@@ -7444,8 +7474,8 @@
           </p:nvSpPr>
           <p:spPr>
             <a:xfrm>
-              <a:off x="1" y="3599543"/>
-              <a:ext cx="6004848" cy="2645843"/>
+              <a:off x="-3858" y="3027411"/>
+              <a:ext cx="6004848" cy="2860266"/>
             </a:xfrm>
             <a:prstGeom prst="roundRect">
               <a:avLst>
@@ -7502,7 +7532,7 @@
           </p:nvCxnSpPr>
           <p:spPr>
             <a:xfrm>
-              <a:off x="-1107772" y="4733390"/>
+              <a:off x="-1107772" y="4365090"/>
               <a:ext cx="991842" cy="0"/>
             </a:xfrm>
             <a:prstGeom prst="straightConnector1">
@@ -7541,7 +7571,7 @@
           </p:nvSpPr>
           <p:spPr>
             <a:xfrm>
-              <a:off x="-3010537" y="4564113"/>
+              <a:off x="-3010537" y="4195813"/>
               <a:ext cx="1490729" cy="338554"/>
             </a:xfrm>
             <a:prstGeom prst="rect">
@@ -7578,8 +7608,8 @@
           </p:nvSpPr>
           <p:spPr>
             <a:xfrm>
-              <a:off x="0" y="1298960"/>
-              <a:ext cx="12188142" cy="619985"/>
+              <a:off x="0" y="1260861"/>
+              <a:ext cx="12188142" cy="352006"/>
             </a:xfrm>
             <a:prstGeom prst="roundRect">
               <a:avLst>
@@ -7634,8 +7664,8 @@
           </p:nvSpPr>
           <p:spPr>
             <a:xfrm>
-              <a:off x="-3858" y="2062991"/>
-              <a:ext cx="12192000" cy="282430"/>
+              <a:off x="-3858" y="1686827"/>
+              <a:ext cx="12192000" cy="271513"/>
             </a:xfrm>
             <a:prstGeom prst="roundRect">
               <a:avLst>
@@ -7692,7 +7722,7 @@
           </p:nvCxnSpPr>
           <p:spPr>
             <a:xfrm>
-              <a:off x="-1107772" y="1612866"/>
+              <a:off x="-1107772" y="1422366"/>
               <a:ext cx="991842" cy="0"/>
             </a:xfrm>
             <a:prstGeom prst="straightConnector1">
@@ -7731,7 +7761,7 @@
           </p:nvSpPr>
           <p:spPr>
             <a:xfrm>
-              <a:off x="-3035733" y="1443589"/>
+              <a:off x="-3035733" y="1253089"/>
               <a:ext cx="1094980" cy="338554"/>
             </a:xfrm>
             <a:prstGeom prst="rect">
@@ -7770,7 +7800,7 @@
           </p:nvCxnSpPr>
           <p:spPr>
             <a:xfrm>
-              <a:off x="-1107772" y="2196387"/>
+              <a:off x="-1107772" y="1815387"/>
               <a:ext cx="1010836" cy="0"/>
             </a:xfrm>
             <a:prstGeom prst="straightConnector1">
@@ -7809,7 +7839,7 @@
           </p:nvSpPr>
           <p:spPr>
             <a:xfrm>
-              <a:off x="-3035733" y="2021381"/>
+              <a:off x="-3035733" y="1640381"/>
               <a:ext cx="1226618" cy="338554"/>
             </a:xfrm>
             <a:prstGeom prst="rect">
@@ -7846,7 +7876,7 @@
           </p:nvSpPr>
           <p:spPr>
             <a:xfrm>
-              <a:off x="0" y="2489464"/>
+              <a:off x="3858" y="2029084"/>
               <a:ext cx="12192000" cy="511697"/>
             </a:xfrm>
             <a:prstGeom prst="roundRect">
@@ -7904,7 +7934,7 @@
           </p:nvCxnSpPr>
           <p:spPr>
             <a:xfrm>
-              <a:off x="-1044371" y="2758022"/>
+              <a:off x="-1044371" y="2262722"/>
               <a:ext cx="928441" cy="0"/>
             </a:xfrm>
             <a:prstGeom prst="straightConnector1">
@@ -7943,7 +7973,7 @@
           </p:nvSpPr>
           <p:spPr>
             <a:xfrm>
-              <a:off x="-3035733" y="2588745"/>
+              <a:off x="-3035733" y="2093445"/>
               <a:ext cx="1985159" cy="338554"/>
             </a:xfrm>
             <a:prstGeom prst="rect">
@@ -7980,8 +8010,8 @@
           </p:nvSpPr>
           <p:spPr>
             <a:xfrm>
-              <a:off x="6072758" y="3599543"/>
-              <a:ext cx="6119242" cy="2645844"/>
+              <a:off x="6068899" y="3027410"/>
+              <a:ext cx="6119242" cy="2860267"/>
             </a:xfrm>
             <a:prstGeom prst="roundRect">
               <a:avLst>
@@ -8038,7 +8068,7 @@
           </p:nvCxnSpPr>
           <p:spPr>
             <a:xfrm flipH="1">
-              <a:off x="12294105" y="4854209"/>
+              <a:off x="12294105" y="4447809"/>
               <a:ext cx="976774" cy="0"/>
             </a:xfrm>
             <a:prstGeom prst="straightConnector1">
@@ -8077,7 +8107,7 @@
           </p:nvSpPr>
           <p:spPr>
             <a:xfrm>
-              <a:off x="13270879" y="4564113"/>
+              <a:off x="13270879" y="4157713"/>
               <a:ext cx="1782989" cy="830997"/>
             </a:xfrm>
             <a:prstGeom prst="rect">
@@ -8149,10 +8179,10 @@
       </p:grpSpPr>
       <p:grpSp>
         <p:nvGrpSpPr>
-          <p:cNvPr id="10" name="Group 9">
-            <a:extLst>
-              <a:ext uri="{FF2B5EF4-FFF2-40B4-BE49-F238E27FC236}">
-                <a16:creationId xmlns:a16="http://schemas.microsoft.com/office/drawing/2014/main" id="{F4062391-2CD1-455B-B082-775FAD12C82A}"/>
+          <p:cNvPr id="4" name="Group 3">
+            <a:extLst>
+              <a:ext uri="{FF2B5EF4-FFF2-40B4-BE49-F238E27FC236}">
+                <a16:creationId xmlns:a16="http://schemas.microsoft.com/office/drawing/2014/main" id="{E1B93E73-A381-4D06-BA35-4A5D63A5CD86}"/>
               </a:ext>
             </a:extLst>
           </p:cNvPr>
@@ -8161,18 +8191,18 @@
         </p:nvGrpSpPr>
         <p:grpSpPr>
           <a:xfrm>
-            <a:off x="0" y="705814"/>
-            <a:ext cx="12192000" cy="5446372"/>
-            <a:chOff x="0" y="705814"/>
-            <a:chExt cx="12192000" cy="5446372"/>
+            <a:off x="0" y="951804"/>
+            <a:ext cx="12192000" cy="4954391"/>
+            <a:chOff x="0" y="951804"/>
+            <a:chExt cx="12192000" cy="4954391"/>
           </a:xfrm>
         </p:grpSpPr>
         <p:pic>
           <p:nvPicPr>
-            <p:cNvPr id="8" name="Picture 7">
+            <p:cNvPr id="3" name="Picture 2">
               <a:extLst>
                 <a:ext uri="{FF2B5EF4-FFF2-40B4-BE49-F238E27FC236}">
-                  <a16:creationId xmlns:a16="http://schemas.microsoft.com/office/drawing/2014/main" id="{119185D6-19BA-465D-A175-889814F3A0D0}"/>
+                  <a16:creationId xmlns:a16="http://schemas.microsoft.com/office/drawing/2014/main" id="{045246BF-CDD6-4EA7-8F5C-AF8F3453C927}"/>
                 </a:ext>
               </a:extLst>
             </p:cNvPr>
@@ -8189,8 +8219,8 @@
           </p:blipFill>
           <p:spPr>
             <a:xfrm>
-              <a:off x="0" y="705814"/>
-              <a:ext cx="12192000" cy="5446372"/>
+              <a:off x="0" y="951804"/>
+              <a:ext cx="12192000" cy="4954391"/>
             </a:xfrm>
             <a:prstGeom prst="rect">
               <a:avLst/>
@@ -8211,8 +8241,8 @@
           </p:nvSpPr>
           <p:spPr>
             <a:xfrm>
-              <a:off x="1638299" y="1041400"/>
-              <a:ext cx="1724025" cy="311150"/>
+              <a:off x="1927860" y="1270000"/>
+              <a:ext cx="1181100" cy="311150"/>
             </a:xfrm>
             <a:prstGeom prst="roundRect">
               <a:avLst/>
@@ -8265,8 +8295,8 @@
           </p:nvSpPr>
           <p:spPr>
             <a:xfrm>
-              <a:off x="4206874" y="1797050"/>
-              <a:ext cx="1736725" cy="311150"/>
+              <a:off x="4199255" y="1644650"/>
+              <a:ext cx="1660526" cy="311150"/>
             </a:xfrm>
             <a:prstGeom prst="roundRect">
               <a:avLst/>
@@ -8338,10 +8368,10 @@
       </p:grpSpPr>
       <p:grpSp>
         <p:nvGrpSpPr>
-          <p:cNvPr id="4" name="Group 3">
-            <a:extLst>
-              <a:ext uri="{FF2B5EF4-FFF2-40B4-BE49-F238E27FC236}">
-                <a16:creationId xmlns:a16="http://schemas.microsoft.com/office/drawing/2014/main" id="{05265998-43D4-4363-8BC0-B937F72491A2}"/>
+          <p:cNvPr id="7" name="Group 6">
+            <a:extLst>
+              <a:ext uri="{FF2B5EF4-FFF2-40B4-BE49-F238E27FC236}">
+                <a16:creationId xmlns:a16="http://schemas.microsoft.com/office/drawing/2014/main" id="{BCED8B48-72B7-476F-8BC1-AB5A85B9F08B}"/>
               </a:ext>
             </a:extLst>
           </p:cNvPr>
@@ -8350,18 +8380,18 @@
         </p:nvGrpSpPr>
         <p:grpSpPr>
           <a:xfrm>
-            <a:off x="0" y="696331"/>
-            <a:ext cx="12192000" cy="5465337"/>
-            <a:chOff x="0" y="696331"/>
-            <a:chExt cx="12192000" cy="5465337"/>
+            <a:off x="0" y="947369"/>
+            <a:ext cx="12192000" cy="5024805"/>
+            <a:chOff x="0" y="947369"/>
+            <a:chExt cx="12192000" cy="5024805"/>
           </a:xfrm>
         </p:grpSpPr>
         <p:pic>
           <p:nvPicPr>
-            <p:cNvPr id="3" name="Picture 2">
+            <p:cNvPr id="5" name="Picture 4">
               <a:extLst>
                 <a:ext uri="{FF2B5EF4-FFF2-40B4-BE49-F238E27FC236}">
-                  <a16:creationId xmlns:a16="http://schemas.microsoft.com/office/drawing/2014/main" id="{0AD9437D-DC64-4199-AE2A-173FE9B76243}"/>
+                  <a16:creationId xmlns:a16="http://schemas.microsoft.com/office/drawing/2014/main" id="{EA64A447-D587-42DB-9267-3FD5A7D1E263}"/>
                 </a:ext>
               </a:extLst>
             </p:cNvPr>
@@ -8378,8 +8408,8 @@
           </p:blipFill>
           <p:spPr>
             <a:xfrm>
-              <a:off x="0" y="701243"/>
-              <a:ext cx="12192000" cy="5455513"/>
+              <a:off x="0" y="966419"/>
+              <a:ext cx="12192000" cy="4925161"/>
             </a:xfrm>
             <a:prstGeom prst="rect">
               <a:avLst/>
@@ -8400,7 +8430,7 @@
           </p:nvSpPr>
           <p:spPr>
             <a:xfrm flipV="1">
-              <a:off x="7965208" y="696331"/>
+              <a:off x="7850908" y="947369"/>
               <a:ext cx="1902692" cy="263814"/>
             </a:xfrm>
             <a:prstGeom prst="roundRect">
@@ -8454,8 +8484,8 @@
           </p:nvSpPr>
           <p:spPr>
             <a:xfrm flipV="1">
-              <a:off x="1" y="3349625"/>
-              <a:ext cx="12191999" cy="2812043"/>
+              <a:off x="1" y="3044824"/>
+              <a:ext cx="12191999" cy="2927350"/>
             </a:xfrm>
             <a:prstGeom prst="roundRect">
               <a:avLst>
@@ -8529,10 +8559,10 @@
       </p:grpSpPr>
       <p:pic>
         <p:nvPicPr>
-          <p:cNvPr id="3" name="Picture 2">
-            <a:extLst>
-              <a:ext uri="{FF2B5EF4-FFF2-40B4-BE49-F238E27FC236}">
-                <a16:creationId xmlns:a16="http://schemas.microsoft.com/office/drawing/2014/main" id="{DFB923BA-5510-4EFA-99F5-EC39FCE7D728}"/>
+          <p:cNvPr id="4" name="Picture 3">
+            <a:extLst>
+              <a:ext uri="{FF2B5EF4-FFF2-40B4-BE49-F238E27FC236}">
+                <a16:creationId xmlns:a16="http://schemas.microsoft.com/office/drawing/2014/main" id="{03338576-CDDC-4339-9B6F-8322AA9026D0}"/>
               </a:ext>
             </a:extLst>
           </p:cNvPr>
@@ -8549,8 +8579,8 @@
         </p:blipFill>
         <p:spPr>
           <a:xfrm>
-            <a:off x="0" y="1827866"/>
-            <a:ext cx="12192000" cy="3202267"/>
+            <a:off x="0" y="1756899"/>
+            <a:ext cx="12192000" cy="3344201"/>
           </a:xfrm>
           <a:prstGeom prst="rect">
             <a:avLst/>
@@ -8679,10 +8709,10 @@
       </p:pic>
       <p:pic>
         <p:nvPicPr>
-          <p:cNvPr id="8" name="Picture 7">
-            <a:extLst>
-              <a:ext uri="{FF2B5EF4-FFF2-40B4-BE49-F238E27FC236}">
-                <a16:creationId xmlns:a16="http://schemas.microsoft.com/office/drawing/2014/main" id="{5C750DE5-DAEB-4CB8-B340-4AF804A9E8E1}"/>
+          <p:cNvPr id="4" name="Picture 3">
+            <a:extLst>
+              <a:ext uri="{FF2B5EF4-FFF2-40B4-BE49-F238E27FC236}">
+                <a16:creationId xmlns:a16="http://schemas.microsoft.com/office/drawing/2014/main" id="{D04AA11D-7826-4FC7-912A-593F32F08F8E}"/>
               </a:ext>
             </a:extLst>
           </p:cNvPr>
@@ -8693,36 +8723,6 @@
         </p:nvPicPr>
         <p:blipFill>
           <a:blip r:embed="rId5"/>
-          <a:stretch>
-            <a:fillRect/>
-          </a:stretch>
-        </p:blipFill>
-        <p:spPr>
-          <a:xfrm>
-            <a:off x="1025525" y="2622550"/>
-            <a:ext cx="5162550" cy="781050"/>
-          </a:xfrm>
-          <a:prstGeom prst="rect">
-            <a:avLst/>
-          </a:prstGeom>
-        </p:spPr>
-      </p:pic>
-      <p:pic>
-        <p:nvPicPr>
-          <p:cNvPr id="4" name="Picture 3">
-            <a:extLst>
-              <a:ext uri="{FF2B5EF4-FFF2-40B4-BE49-F238E27FC236}">
-                <a16:creationId xmlns:a16="http://schemas.microsoft.com/office/drawing/2014/main" id="{D04AA11D-7826-4FC7-912A-593F32F08F8E}"/>
-              </a:ext>
-            </a:extLst>
-          </p:cNvPr>
-          <p:cNvPicPr>
-            <a:picLocks noChangeAspect="1"/>
-          </p:cNvPicPr>
-          <p:nvPr/>
-        </p:nvPicPr>
-        <p:blipFill>
-          <a:blip r:embed="rId6"/>
           <a:stretch>
             <a:fillRect/>
           </a:stretch>
@@ -8752,7 +8752,7 @@
           <p:nvPr/>
         </p:nvPicPr>
         <p:blipFill>
-          <a:blip r:embed="rId7"/>
+          <a:blip r:embed="rId6"/>
           <a:stretch>
             <a:fillRect/>
           </a:stretch>
@@ -8769,10 +8769,10 @@
       </p:pic>
       <p:pic>
         <p:nvPicPr>
-          <p:cNvPr id="11" name="Picture 10">
-            <a:extLst>
-              <a:ext uri="{FF2B5EF4-FFF2-40B4-BE49-F238E27FC236}">
-                <a16:creationId xmlns:a16="http://schemas.microsoft.com/office/drawing/2014/main" id="{3789ACD9-E96D-4490-9F28-F62063A76E15}"/>
+          <p:cNvPr id="7" name="Picture 6">
+            <a:extLst>
+              <a:ext uri="{FF2B5EF4-FFF2-40B4-BE49-F238E27FC236}">
+                <a16:creationId xmlns:a16="http://schemas.microsoft.com/office/drawing/2014/main" id="{9416F5E2-93AE-4286-923D-9D9B5EFBEC3F}"/>
               </a:ext>
             </a:extLst>
           </p:cNvPr>
@@ -8782,15 +8782,15 @@
           <p:nvPr/>
         </p:nvPicPr>
         <p:blipFill>
-          <a:blip r:embed="rId8"/>
+          <a:blip r:embed="rId7"/>
           <a:stretch>
             <a:fillRect/>
           </a:stretch>
         </p:blipFill>
         <p:spPr>
           <a:xfrm>
-            <a:off x="6519504" y="2703469"/>
-            <a:ext cx="5134692" cy="619211"/>
+            <a:off x="416791" y="2365950"/>
+            <a:ext cx="5410955" cy="828791"/>
           </a:xfrm>
           <a:prstGeom prst="rect">
             <a:avLst/>
@@ -9043,113 +9043,92 @@
           <a:chExt cx="0" cy="0"/>
         </a:xfrm>
       </p:grpSpPr>
-      <p:grpSp>
-        <p:nvGrpSpPr>
-          <p:cNvPr id="4" name="Group 3">
-            <a:extLst>
-              <a:ext uri="{FF2B5EF4-FFF2-40B4-BE49-F238E27FC236}">
-                <a16:creationId xmlns:a16="http://schemas.microsoft.com/office/drawing/2014/main" id="{77E8E452-7357-4C04-B690-F0F396AEA885}"/>
-              </a:ext>
-            </a:extLst>
-          </p:cNvPr>
-          <p:cNvGrpSpPr/>
+      <p:pic>
+        <p:nvPicPr>
+          <p:cNvPr id="5" name="Picture 4">
+            <a:extLst>
+              <a:ext uri="{FF2B5EF4-FFF2-40B4-BE49-F238E27FC236}">
+                <a16:creationId xmlns:a16="http://schemas.microsoft.com/office/drawing/2014/main" id="{AC1D2CF0-A4D5-49DE-A735-A551D8F468EB}"/>
+              </a:ext>
+            </a:extLst>
+          </p:cNvPr>
+          <p:cNvPicPr>
+            <a:picLocks noChangeAspect="1"/>
+          </p:cNvPicPr>
           <p:nvPr/>
-        </p:nvGrpSpPr>
-        <p:grpSpPr>
+        </p:nvPicPr>
+        <p:blipFill>
+          <a:blip r:embed="rId2"/>
+          <a:stretch>
+            <a:fillRect/>
+          </a:stretch>
+        </p:blipFill>
+        <p:spPr>
           <a:xfrm>
-            <a:off x="0" y="788694"/>
-            <a:ext cx="12192000" cy="5280611"/>
-            <a:chOff x="0" y="788694"/>
-            <a:chExt cx="12192000" cy="5280611"/>
+            <a:off x="0" y="929544"/>
+            <a:ext cx="12192000" cy="4998911"/>
           </a:xfrm>
-        </p:grpSpPr>
-        <p:pic>
-          <p:nvPicPr>
-            <p:cNvPr id="3" name="Picture 2">
-              <a:extLst>
-                <a:ext uri="{FF2B5EF4-FFF2-40B4-BE49-F238E27FC236}">
-                  <a16:creationId xmlns:a16="http://schemas.microsoft.com/office/drawing/2014/main" id="{C97A9E67-CEB9-4361-B865-085F586A4485}"/>
-                </a:ext>
-              </a:extLst>
-            </p:cNvPr>
-            <p:cNvPicPr>
-              <a:picLocks noChangeAspect="1"/>
-            </p:cNvPicPr>
-            <p:nvPr/>
-          </p:nvPicPr>
-          <p:blipFill>
-            <a:blip r:embed="rId2"/>
-            <a:stretch>
-              <a:fillRect/>
-            </a:stretch>
-          </p:blipFill>
-          <p:spPr>
-            <a:xfrm>
-              <a:off x="0" y="788694"/>
-              <a:ext cx="12192000" cy="5280611"/>
-            </a:xfrm>
-            <a:prstGeom prst="rect">
-              <a:avLst/>
-            </a:prstGeom>
-          </p:spPr>
-        </p:pic>
-        <p:sp>
-          <p:nvSpPr>
-            <p:cNvPr id="8" name="Rectangle: Rounded Corners 7">
-              <a:extLst>
-                <a:ext uri="{FF2B5EF4-FFF2-40B4-BE49-F238E27FC236}">
-                  <a16:creationId xmlns:a16="http://schemas.microsoft.com/office/drawing/2014/main" id="{5B64FDB4-CAD2-4B89-A53E-75A624B2EC91}"/>
-                </a:ext>
-              </a:extLst>
-            </p:cNvPr>
-            <p:cNvSpPr/>
-            <p:nvPr/>
-          </p:nvSpPr>
-          <p:spPr>
-            <a:xfrm>
-              <a:off x="1351642" y="1101725"/>
-              <a:ext cx="10840358" cy="1079500"/>
-            </a:xfrm>
-            <a:prstGeom prst="roundRect">
-              <a:avLst>
-                <a:gd name="adj" fmla="val 11731"/>
-              </a:avLst>
-            </a:prstGeom>
-            <a:noFill/>
-            <a:ln w="28575" cap="flat" cmpd="sng" algn="ctr">
-              <a:solidFill>
-                <a:schemeClr val="accent2"/>
-              </a:solidFill>
-              <a:prstDash val="solid"/>
-              <a:round/>
-              <a:headEnd type="none" w="med" len="med"/>
-              <a:tailEnd type="none" w="med" len="med"/>
-            </a:ln>
-          </p:spPr>
-          <p:style>
-            <a:lnRef idx="0">
-              <a:scrgbClr r="0" g="0" b="0"/>
-            </a:lnRef>
-            <a:fillRef idx="0">
-              <a:scrgbClr r="0" g="0" b="0"/>
-            </a:fillRef>
-            <a:effectRef idx="0">
-              <a:scrgbClr r="0" g="0" b="0"/>
-            </a:effectRef>
-            <a:fontRef idx="minor">
+          <a:prstGeom prst="rect">
+            <a:avLst/>
+          </a:prstGeom>
+        </p:spPr>
+      </p:pic>
+      <p:sp>
+        <p:nvSpPr>
+          <p:cNvPr id="8" name="Rectangle: Rounded Corners 7">
+            <a:extLst>
+              <a:ext uri="{FF2B5EF4-FFF2-40B4-BE49-F238E27FC236}">
+                <a16:creationId xmlns:a16="http://schemas.microsoft.com/office/drawing/2014/main" id="{5B64FDB4-CAD2-4B89-A53E-75A624B2EC91}"/>
+              </a:ext>
+            </a:extLst>
+          </p:cNvPr>
+          <p:cNvSpPr/>
+          <p:nvPr/>
+        </p:nvSpPr>
+        <p:spPr>
+          <a:xfrm>
+            <a:off x="1809750" y="1225550"/>
+            <a:ext cx="10382250" cy="717550"/>
+          </a:xfrm>
+          <a:prstGeom prst="roundRect">
+            <a:avLst>
+              <a:gd name="adj" fmla="val 11731"/>
+            </a:avLst>
+          </a:prstGeom>
+          <a:noFill/>
+          <a:ln w="28575" cap="flat" cmpd="sng" algn="ctr">
+            <a:solidFill>
               <a:schemeClr val="accent2"/>
-            </a:fontRef>
-          </p:style>
-          <p:txBody>
-            <a:bodyPr rtlCol="0" anchor="ctr"/>
-            <a:lstStyle/>
-            <a:p>
-              <a:pPr algn="ctr"/>
-              <a:endParaRPr lang="en-US"/>
-            </a:p>
-          </p:txBody>
-        </p:sp>
-      </p:grpSp>
+            </a:solidFill>
+            <a:prstDash val="solid"/>
+            <a:round/>
+            <a:headEnd type="none" w="med" len="med"/>
+            <a:tailEnd type="none" w="med" len="med"/>
+          </a:ln>
+        </p:spPr>
+        <p:style>
+          <a:lnRef idx="0">
+            <a:scrgbClr r="0" g="0" b="0"/>
+          </a:lnRef>
+          <a:fillRef idx="0">
+            <a:scrgbClr r="0" g="0" b="0"/>
+          </a:fillRef>
+          <a:effectRef idx="0">
+            <a:scrgbClr r="0" g="0" b="0"/>
+          </a:effectRef>
+          <a:fontRef idx="minor">
+            <a:schemeClr val="accent2"/>
+          </a:fontRef>
+        </p:style>
+        <p:txBody>
+          <a:bodyPr rtlCol="0" anchor="ctr"/>
+          <a:lstStyle/>
+          <a:p>
+            <a:pPr algn="ctr"/>
+            <a:endParaRPr lang="en-US"/>
+          </a:p>
+        </p:txBody>
+      </p:sp>
     </p:spTree>
     <p:extLst>
       <p:ext uri="{BB962C8B-B14F-4D97-AF65-F5344CB8AC3E}">
